--- a/backend/data/0ef2e0f5-d61a-4687-a0ce-69b4c3fd9ec6/Exploring_the_Concept_of_Genius.pptx
+++ b/backend/data/0ef2e0f5-d61a-4687-a0ce-69b4c3fd9ec6/Exploring_the_Concept_of_Genius.pptx
@@ -3091,7 +3091,7 @@
     <p:bg>
       <p:bgPr>
         <a:solidFill>
-          <a:srgbClr val="1E1E1E"/>
+          <a:srgbClr val="091433"/>
         </a:solidFill>
         <a:effectLst/>
       </p:bgPr>
@@ -3111,8 +3111,8 @@
         </p:nvSpPr>
         <p:spPr>
           <a:xfrm>
-            <a:off x="635000" y="635000"/>
-            <a:ext cx="7645400" cy="1270000"/>
+            <a:off x="1016000" y="3733800"/>
+            <a:ext cx="5257800" cy="609600"/>
           </a:xfrm>
           <a:prstGeom prst="rect">
             <a:avLst/>
@@ -3125,23 +3125,122 @@
           </a:bodyPr>
           <a:lstStyle/>
           <a:p>
-            <a:pPr>
-              <a:defRPr b="1" i="0" sz="3600">
-                <a:solidFill>
-                  <a:srgbClr val="000000"/>
-                </a:solidFill>
-                <a:latin typeface="Inter"/>
+            <a:pPr algn="l">
+              <a:defRPr b="1" i="0" sz="4000">
+                <a:solidFill>
+                  <a:srgbClr val="FFFFFF"/>
+                </a:solidFill>
+                <a:latin typeface="Instrument"/>
               </a:defRPr>
             </a:pPr>
             <a:r>
-              <a:rPr b="1" i="0" sz="3600">
-                <a:solidFill>
-                  <a:srgbClr val="000000"/>
-                </a:solidFill>
-                <a:latin typeface="Inter"/>
+              <a:rPr b="1" i="0" sz="4000">
+                <a:solidFill>
+                  <a:srgbClr val="FFFFFF"/>
+                </a:solidFill>
+                <a:latin typeface="Instrument"/>
               </a:rPr>
               <a:t>Understanding Genius</a:t>
             </a:r>
+          </a:p>
+        </p:txBody>
+      </p:sp>
+      <p:sp>
+        <p:nvSpPr>
+          <p:cNvPr id="3" name="TextBox 2"/>
+          <p:cNvSpPr txBox="1"/>
+          <p:nvPr/>
+        </p:nvSpPr>
+        <p:spPr>
+          <a:xfrm>
+            <a:off x="1016000" y="4648200"/>
+            <a:ext cx="6731000" cy="762000"/>
+          </a:xfrm>
+          <a:prstGeom prst="rect">
+            <a:avLst/>
+          </a:prstGeom>
+          <a:noFill/>
+        </p:spPr>
+        <p:txBody>
+          <a:bodyPr wrap="square" lIns="0" rIns="0" tIns="0" bIns="0">
+            <a:spAutoFit/>
+          </a:bodyPr>
+          <a:lstStyle/>
+          <a:p>
+            <a:pPr algn="l">
+              <a:defRPr b="0" i="0" sz="2000">
+                <a:solidFill>
+                  <a:srgbClr val="E6E6E6"/>
+                </a:solidFill>
+                <a:latin typeface="Instrument"/>
+              </a:defRPr>
+            </a:pPr>
+            <a:r>
+              <a:rPr b="0" i="0" sz="2000">
+                <a:solidFill>
+                  <a:srgbClr val="E6E6E6"/>
+                </a:solidFill>
+                <a:latin typeface="Instrument"/>
+              </a:rPr>
+              <a:t>Genius is exceptional intellectual or creative power. It often involves novel insights and transformative impact.</a:t>
+            </a:r>
+          </a:p>
+        </p:txBody>
+      </p:sp>
+      <p:pic>
+        <p:nvPicPr>
+          <p:cNvPr id="4" name="Picture 3" descr="041522e5-f6a9-492e-9586-2b3b176dae42.png"/>
+          <p:cNvPicPr>
+            <a:picLocks noChangeAspect="1"/>
+          </p:cNvPicPr>
+          <p:nvPr/>
+        </p:nvPicPr>
+        <p:blipFill>
+          <a:blip r:embed="rId2"/>
+          <a:stretch>
+            <a:fillRect/>
+          </a:stretch>
+        </p:blipFill>
+        <p:spPr>
+          <a:xfrm>
+            <a:off x="8534400" y="1219200"/>
+            <a:ext cx="6705600" cy="6705600"/>
+          </a:xfrm>
+          <a:prstGeom prst="rect">
+            <a:avLst/>
+          </a:prstGeom>
+        </p:spPr>
+      </p:pic>
+      <p:sp>
+        <p:nvSpPr>
+          <p:cNvPr id="5" name="TextBox 4"/>
+          <p:cNvSpPr txBox="1"/>
+          <p:nvPr/>
+        </p:nvSpPr>
+        <p:spPr>
+          <a:xfrm>
+            <a:off x="8128000" y="8890000"/>
+            <a:ext cx="25400" cy="0"/>
+          </a:xfrm>
+          <a:prstGeom prst="rect">
+            <a:avLst/>
+          </a:prstGeom>
+          <a:noFill/>
+        </p:spPr>
+        <p:txBody>
+          <a:bodyPr wrap="square" lIns="0" rIns="0" tIns="0" bIns="0">
+            <a:spAutoFit/>
+          </a:bodyPr>
+          <a:lstStyle/>
+          <a:p>
+            <a:pPr algn="l">
+              <a:defRPr b="0" i="0" sz="1200">
+                <a:solidFill>
+                  <a:srgbClr val="FFFFFF"/>
+                </a:solidFill>
+                <a:latin typeface="Instrument"/>
+              </a:defRPr>
+            </a:pPr>
           </a:p>
         </p:txBody>
       </p:sp>
@@ -3159,7 +3258,7 @@
     <p:bg>
       <p:bgPr>
         <a:solidFill>
-          <a:srgbClr val="1E1E1E"/>
+          <a:srgbClr val="091433"/>
         </a:solidFill>
         <a:effectLst/>
       </p:bgPr>
@@ -3179,8 +3278,8 @@
         </p:nvSpPr>
         <p:spPr>
           <a:xfrm>
-            <a:off x="635000" y="635000"/>
-            <a:ext cx="7645400" cy="1270000"/>
+            <a:off x="1016000" y="3683000"/>
+            <a:ext cx="7035800" cy="609600"/>
           </a:xfrm>
           <a:prstGeom prst="rect">
             <a:avLst/>
@@ -3193,20 +3292,20 @@
           </a:bodyPr>
           <a:lstStyle/>
           <a:p>
-            <a:pPr>
-              <a:defRPr b="1" i="0" sz="3600">
-                <a:solidFill>
-                  <a:srgbClr val="000000"/>
-                </a:solidFill>
-                <a:latin typeface="Inter"/>
+            <a:pPr algn="l">
+              <a:defRPr b="1" i="0" sz="4000">
+                <a:solidFill>
+                  <a:srgbClr val="FFFFFF"/>
+                </a:solidFill>
+                <a:latin typeface="Instrument"/>
               </a:defRPr>
             </a:pPr>
             <a:r>
-              <a:rPr b="1" i="0" sz="3600">
-                <a:solidFill>
-                  <a:srgbClr val="000000"/>
-                </a:solidFill>
-                <a:latin typeface="Inter"/>
+              <a:rPr b="1" i="0" sz="4000">
+                <a:solidFill>
+                  <a:srgbClr val="FFFFFF"/>
+                </a:solidFill>
+                <a:latin typeface="Instrument"/>
               </a:rPr>
               <a:t>The Nature of Genius</a:t>
             </a:r>
@@ -3221,8 +3320,8 @@
         </p:nvSpPr>
         <p:spPr>
           <a:xfrm>
-            <a:off x="635000" y="2794000"/>
-            <a:ext cx="7645400" cy="3810000"/>
+            <a:off x="1016000" y="4699000"/>
+            <a:ext cx="7035800" cy="762000"/>
           </a:xfrm>
           <a:prstGeom prst="rect">
             <a:avLst/>
@@ -3235,23 +3334,412 @@
           </a:bodyPr>
           <a:lstStyle/>
           <a:p>
-            <a:pPr>
-              <a:defRPr b="0" i="0" sz="1800">
-                <a:solidFill>
-                  <a:srgbClr val="000000"/>
-                </a:solidFill>
-                <a:latin typeface="Inter"/>
+            <a:pPr algn="l">
+              <a:defRPr b="0" i="0" sz="2000">
+                <a:solidFill>
+                  <a:srgbClr val="E6E6E6"/>
+                </a:solidFill>
+                <a:latin typeface="Instrument"/>
               </a:defRPr>
             </a:pPr>
             <a:r>
-              <a:rPr b="0" i="0" sz="1800">
-                <a:solidFill>
-                  <a:srgbClr val="000000"/>
-                </a:solidFill>
-                <a:latin typeface="Inter"/>
+              <a:rPr b="0" i="0" sz="2000">
+                <a:solidFill>
+                  <a:srgbClr val="E6E6E6"/>
+                </a:solidFill>
+                <a:latin typeface="Instrument"/>
               </a:rPr>
               <a:t>Explore the multifaceted nature of genius, encompassing innate talent, relentless dedication, and profound insight.</a:t>
             </a:r>
+          </a:p>
+        </p:txBody>
+      </p:sp>
+      <p:sp>
+        <p:nvSpPr>
+          <p:cNvPr id="4" name="Rounded Rectangle 3"/>
+          <p:cNvSpPr/>
+          <p:nvPr/>
+        </p:nvSpPr>
+        <p:spPr>
+          <a:xfrm>
+            <a:off x="8229600" y="2209800"/>
+            <a:ext cx="7010400" cy="2209800"/>
+          </a:xfrm>
+          <a:prstGeom prst="roundRect">
+            <a:avLst>
+              <a:gd name="adj" fmla="val 4597"/>
+            </a:avLst>
+          </a:prstGeom>
+          <a:solidFill>
+            <a:srgbClr val="29136C"/>
+          </a:solidFill>
+          <a:ln>
+            <a:noFill/>
+          </a:ln>
+          <a:effectLst>
+            <a:outerShdw blurRad="127000" dir="90000" dist="25400" rotWithShape="0">
+              <a:srgbClr val="2b2b2b">
+                <a:alpha val="20000"/>
+              </a:srgbClr>
+            </a:outerShdw>
+          </a:effectLst>
+        </p:spPr>
+        <p:style>
+          <a:lnRef idx="1">
+            <a:schemeClr val="accent1"/>
+          </a:lnRef>
+          <a:fillRef idx="3">
+            <a:schemeClr val="accent1"/>
+          </a:fillRef>
+          <a:effectRef idx="2">
+            <a:schemeClr val="accent1"/>
+          </a:effectRef>
+          <a:fontRef idx="minor">
+            <a:schemeClr val="lt1"/>
+          </a:fontRef>
+        </p:style>
+        <p:txBody>
+          <a:bodyPr rtlCol="0" anchor="ctr" wrap="square" lIns="0" rIns="0" tIns="0" bIns="0"/>
+          <a:lstStyle/>
+          <a:p>
+            <a:pPr algn="ctr"/>
+          </a:p>
+        </p:txBody>
+      </p:sp>
+      <p:sp>
+        <p:nvSpPr>
+          <p:cNvPr id="5" name="TextBox 4"/>
+          <p:cNvSpPr txBox="1"/>
+          <p:nvPr/>
+        </p:nvSpPr>
+        <p:spPr>
+          <a:xfrm>
+            <a:off x="8534400" y="2514600"/>
+            <a:ext cx="546100" cy="1397000"/>
+          </a:xfrm>
+          <a:prstGeom prst="rect">
+            <a:avLst/>
+          </a:prstGeom>
+          <a:noFill/>
+        </p:spPr>
+        <p:txBody>
+          <a:bodyPr wrap="square" lIns="0" rIns="0" tIns="0" bIns="0">
+            <a:spAutoFit/>
+          </a:bodyPr>
+          <a:lstStyle/>
+          <a:p>
+            <a:pPr algn="l">
+              <a:defRPr b="1" i="0" sz="3200">
+                <a:solidFill>
+                  <a:srgbClr val="5E8CF0"/>
+                </a:solidFill>
+                <a:latin typeface="Instrument"/>
+              </a:defRPr>
+            </a:pPr>
+            <a:r>
+              <a:rPr b="1" i="0" sz="3200">
+                <a:solidFill>
+                  <a:srgbClr val="5E8CF0"/>
+                </a:solidFill>
+                <a:latin typeface="Instrument"/>
+              </a:rPr>
+              <a:t>01</a:t>
+            </a:r>
+          </a:p>
+        </p:txBody>
+      </p:sp>
+      <p:sp>
+        <p:nvSpPr>
+          <p:cNvPr id="6" name="TextBox 5"/>
+          <p:cNvSpPr txBox="1"/>
+          <p:nvPr/>
+        </p:nvSpPr>
+        <p:spPr>
+          <a:xfrm>
+            <a:off x="9359900" y="2514600"/>
+            <a:ext cx="5600700" cy="406400"/>
+          </a:xfrm>
+          <a:prstGeom prst="rect">
+            <a:avLst/>
+          </a:prstGeom>
+          <a:noFill/>
+        </p:spPr>
+        <p:txBody>
+          <a:bodyPr wrap="square" lIns="0" rIns="0" tIns="0" bIns="0">
+            <a:spAutoFit/>
+          </a:bodyPr>
+          <a:lstStyle/>
+          <a:p>
+            <a:pPr algn="l">
+              <a:defRPr b="1" i="0" sz="2400">
+                <a:solidFill>
+                  <a:srgbClr val="FFFFFF"/>
+                </a:solidFill>
+                <a:latin typeface="Instrument"/>
+              </a:defRPr>
+            </a:pPr>
+            <a:r>
+              <a:rPr b="1" i="0" sz="2400">
+                <a:solidFill>
+                  <a:srgbClr val="FFFFFF"/>
+                </a:solidFill>
+                <a:latin typeface="Instrument"/>
+              </a:rPr>
+              <a:t>Exceptional Ability</a:t>
+            </a:r>
+          </a:p>
+        </p:txBody>
+      </p:sp>
+      <p:sp>
+        <p:nvSpPr>
+          <p:cNvPr id="7" name="TextBox 6"/>
+          <p:cNvSpPr txBox="1"/>
+          <p:nvPr/>
+        </p:nvSpPr>
+        <p:spPr>
+          <a:xfrm>
+            <a:off x="9359900" y="2971800"/>
+            <a:ext cx="5600700" cy="1143000"/>
+          </a:xfrm>
+          <a:prstGeom prst="rect">
+            <a:avLst/>
+          </a:prstGeom>
+          <a:noFill/>
+        </p:spPr>
+        <p:txBody>
+          <a:bodyPr wrap="square" lIns="0" rIns="0" tIns="0" bIns="0">
+            <a:spAutoFit/>
+          </a:bodyPr>
+          <a:lstStyle/>
+          <a:p>
+            <a:pPr algn="l">
+              <a:defRPr b="0" i="0" sz="2000">
+                <a:solidFill>
+                  <a:srgbClr val="E6E6E6"/>
+                </a:solidFill>
+                <a:latin typeface="Instrument"/>
+              </a:defRPr>
+            </a:pPr>
+            <a:r>
+              <a:rPr b="0" i="0" sz="2000">
+                <a:solidFill>
+                  <a:srgbClr val="E6E6E6"/>
+                </a:solidFill>
+                <a:latin typeface="Instrument"/>
+              </a:rPr>
+              <a:t>Genius often begins with a natural aptitude in a specific domain, setting the stage for extraordinary achievement and innovation.</a:t>
+            </a:r>
+          </a:p>
+        </p:txBody>
+      </p:sp>
+      <p:sp>
+        <p:nvSpPr>
+          <p:cNvPr id="8" name="Rounded Rectangle 7"/>
+          <p:cNvSpPr/>
+          <p:nvPr/>
+        </p:nvSpPr>
+        <p:spPr>
+          <a:xfrm>
+            <a:off x="8229600" y="4724400"/>
+            <a:ext cx="7010400" cy="2209800"/>
+          </a:xfrm>
+          <a:prstGeom prst="roundRect">
+            <a:avLst>
+              <a:gd name="adj" fmla="val 4597"/>
+            </a:avLst>
+          </a:prstGeom>
+          <a:solidFill>
+            <a:srgbClr val="29136C"/>
+          </a:solidFill>
+          <a:ln>
+            <a:noFill/>
+          </a:ln>
+          <a:effectLst>
+            <a:outerShdw blurRad="127000" dir="90000" dist="25400" rotWithShape="0">
+              <a:srgbClr val="2b2b2b">
+                <a:alpha val="20000"/>
+              </a:srgbClr>
+            </a:outerShdw>
+          </a:effectLst>
+        </p:spPr>
+        <p:style>
+          <a:lnRef idx="1">
+            <a:schemeClr val="accent1"/>
+          </a:lnRef>
+          <a:fillRef idx="3">
+            <a:schemeClr val="accent1"/>
+          </a:fillRef>
+          <a:effectRef idx="2">
+            <a:schemeClr val="accent1"/>
+          </a:effectRef>
+          <a:fontRef idx="minor">
+            <a:schemeClr val="lt1"/>
+          </a:fontRef>
+        </p:style>
+        <p:txBody>
+          <a:bodyPr rtlCol="0" anchor="ctr" wrap="square" lIns="0" rIns="0" tIns="0" bIns="0"/>
+          <a:lstStyle/>
+          <a:p>
+            <a:pPr algn="ctr"/>
+          </a:p>
+        </p:txBody>
+      </p:sp>
+      <p:sp>
+        <p:nvSpPr>
+          <p:cNvPr id="9" name="TextBox 8"/>
+          <p:cNvSpPr txBox="1"/>
+          <p:nvPr/>
+        </p:nvSpPr>
+        <p:spPr>
+          <a:xfrm>
+            <a:off x="8534400" y="5029200"/>
+            <a:ext cx="622300" cy="1397000"/>
+          </a:xfrm>
+          <a:prstGeom prst="rect">
+            <a:avLst/>
+          </a:prstGeom>
+          <a:noFill/>
+        </p:spPr>
+        <p:txBody>
+          <a:bodyPr wrap="square" lIns="0" rIns="0" tIns="0" bIns="0">
+            <a:spAutoFit/>
+          </a:bodyPr>
+          <a:lstStyle/>
+          <a:p>
+            <a:pPr algn="l">
+              <a:defRPr b="1" i="0" sz="3200">
+                <a:solidFill>
+                  <a:srgbClr val="5E8CF0"/>
+                </a:solidFill>
+                <a:latin typeface="Instrument"/>
+              </a:defRPr>
+            </a:pPr>
+            <a:r>
+              <a:rPr b="1" i="0" sz="3200">
+                <a:solidFill>
+                  <a:srgbClr val="5E8CF0"/>
+                </a:solidFill>
+                <a:latin typeface="Instrument"/>
+              </a:rPr>
+              <a:t>02</a:t>
+            </a:r>
+          </a:p>
+        </p:txBody>
+      </p:sp>
+      <p:sp>
+        <p:nvSpPr>
+          <p:cNvPr id="10" name="TextBox 9"/>
+          <p:cNvSpPr txBox="1"/>
+          <p:nvPr/>
+        </p:nvSpPr>
+        <p:spPr>
+          <a:xfrm>
+            <a:off x="9436100" y="5029200"/>
+            <a:ext cx="5524500" cy="406400"/>
+          </a:xfrm>
+          <a:prstGeom prst="rect">
+            <a:avLst/>
+          </a:prstGeom>
+          <a:noFill/>
+        </p:spPr>
+        <p:txBody>
+          <a:bodyPr wrap="square" lIns="0" rIns="0" tIns="0" bIns="0">
+            <a:spAutoFit/>
+          </a:bodyPr>
+          <a:lstStyle/>
+          <a:p>
+            <a:pPr algn="l">
+              <a:defRPr b="1" i="0" sz="2400">
+                <a:solidFill>
+                  <a:srgbClr val="FFFFFF"/>
+                </a:solidFill>
+                <a:latin typeface="Instrument"/>
+              </a:defRPr>
+            </a:pPr>
+            <a:r>
+              <a:rPr b="1" i="0" sz="2400">
+                <a:solidFill>
+                  <a:srgbClr val="FFFFFF"/>
+                </a:solidFill>
+                <a:latin typeface="Instrument"/>
+              </a:rPr>
+              <a:t>Creative Thinking</a:t>
+            </a:r>
+          </a:p>
+        </p:txBody>
+      </p:sp>
+      <p:sp>
+        <p:nvSpPr>
+          <p:cNvPr id="11" name="TextBox 10"/>
+          <p:cNvSpPr txBox="1"/>
+          <p:nvPr/>
+        </p:nvSpPr>
+        <p:spPr>
+          <a:xfrm>
+            <a:off x="9436100" y="5486400"/>
+            <a:ext cx="5524500" cy="1143000"/>
+          </a:xfrm>
+          <a:prstGeom prst="rect">
+            <a:avLst/>
+          </a:prstGeom>
+          <a:noFill/>
+        </p:spPr>
+        <p:txBody>
+          <a:bodyPr wrap="square" lIns="0" rIns="0" tIns="0" bIns="0">
+            <a:spAutoFit/>
+          </a:bodyPr>
+          <a:lstStyle/>
+          <a:p>
+            <a:pPr algn="l">
+              <a:defRPr b="0" i="0" sz="2000">
+                <a:solidFill>
+                  <a:srgbClr val="E6E6E6"/>
+                </a:solidFill>
+                <a:latin typeface="Instrument"/>
+              </a:defRPr>
+            </a:pPr>
+            <a:r>
+              <a:rPr b="0" i="0" sz="2000">
+                <a:solidFill>
+                  <a:srgbClr val="E6E6E6"/>
+                </a:solidFill>
+                <a:latin typeface="Instrument"/>
+              </a:rPr>
+              <a:t>Geniuses demonstrate creative thinking, generating novel ideas that challenge existing paradigms and redefine understanding.</a:t>
+            </a:r>
+          </a:p>
+        </p:txBody>
+      </p:sp>
+      <p:sp>
+        <p:nvSpPr>
+          <p:cNvPr id="12" name="TextBox 11"/>
+          <p:cNvSpPr txBox="1"/>
+          <p:nvPr/>
+        </p:nvSpPr>
+        <p:spPr>
+          <a:xfrm>
+            <a:off x="8128000" y="8890000"/>
+            <a:ext cx="25400" cy="0"/>
+          </a:xfrm>
+          <a:prstGeom prst="rect">
+            <a:avLst/>
+          </a:prstGeom>
+          <a:noFill/>
+        </p:spPr>
+        <p:txBody>
+          <a:bodyPr wrap="square" lIns="0" rIns="0" tIns="0" bIns="0">
+            <a:spAutoFit/>
+          </a:bodyPr>
+          <a:lstStyle/>
+          <a:p>
+            <a:pPr algn="l">
+              <a:defRPr b="0" i="0" sz="1200">
+                <a:solidFill>
+                  <a:srgbClr val="FFFFFF"/>
+                </a:solidFill>
+                <a:latin typeface="Instrument"/>
+              </a:defRPr>
+            </a:pPr>
           </a:p>
         </p:txBody>
       </p:sp>
@@ -3269,7 +3757,7 @@
     <p:bg>
       <p:bgPr>
         <a:solidFill>
-          <a:srgbClr val="1E1E1E"/>
+          <a:srgbClr val="091433"/>
         </a:solidFill>
         <a:effectLst/>
       </p:bgPr>
@@ -3289,8 +3777,8 @@
         </p:nvSpPr>
         <p:spPr>
           <a:xfrm>
-            <a:off x="635000" y="635000"/>
-            <a:ext cx="7645400" cy="1270000"/>
+            <a:off x="1016000" y="1841500"/>
+            <a:ext cx="14249400" cy="609600"/>
           </a:xfrm>
           <a:prstGeom prst="rect">
             <a:avLst/>
@@ -3303,23 +3791,590 @@
           </a:bodyPr>
           <a:lstStyle/>
           <a:p>
-            <a:pPr>
-              <a:defRPr b="1" i="0" sz="3600">
-                <a:solidFill>
-                  <a:srgbClr val="000000"/>
-                </a:solidFill>
-                <a:latin typeface="Inter"/>
+            <a:pPr algn="ctr">
+              <a:defRPr b="1" i="0" sz="4000">
+                <a:solidFill>
+                  <a:srgbClr val="FFFFFF"/>
+                </a:solidFill>
+                <a:latin typeface="Instrument"/>
               </a:defRPr>
             </a:pPr>
             <a:r>
-              <a:rPr b="1" i="0" sz="3600">
-                <a:solidFill>
-                  <a:srgbClr val="000000"/>
-                </a:solidFill>
-                <a:latin typeface="Inter"/>
+              <a:rPr b="1" i="0" sz="4000">
+                <a:solidFill>
+                  <a:srgbClr val="FFFFFF"/>
+                </a:solidFill>
+                <a:latin typeface="Instrument"/>
               </a:rPr>
               <a:t>Identifying Genius Traits</a:t>
             </a:r>
+          </a:p>
+        </p:txBody>
+      </p:sp>
+      <p:sp>
+        <p:nvSpPr>
+          <p:cNvPr id="3" name="Rounded Rectangle 2"/>
+          <p:cNvSpPr/>
+          <p:nvPr/>
+        </p:nvSpPr>
+        <p:spPr>
+          <a:xfrm>
+            <a:off x="1016000" y="3467100"/>
+            <a:ext cx="4470400" cy="3835400"/>
+          </a:xfrm>
+          <a:prstGeom prst="roundRect">
+            <a:avLst>
+              <a:gd name="adj" fmla="val 2649"/>
+            </a:avLst>
+          </a:prstGeom>
+          <a:solidFill>
+            <a:srgbClr val="29136C"/>
+          </a:solidFill>
+          <a:ln>
+            <a:noFill/>
+          </a:ln>
+          <a:effectLst>
+            <a:outerShdw blurRad="127000" dir="90000" dist="25400" rotWithShape="0">
+              <a:srgbClr val="2b2b2b">
+                <a:alpha val="20000"/>
+              </a:srgbClr>
+            </a:outerShdw>
+          </a:effectLst>
+        </p:spPr>
+        <p:style>
+          <a:lnRef idx="1">
+            <a:schemeClr val="accent1"/>
+          </a:lnRef>
+          <a:fillRef idx="3">
+            <a:schemeClr val="accent1"/>
+          </a:fillRef>
+          <a:effectRef idx="2">
+            <a:schemeClr val="accent1"/>
+          </a:effectRef>
+          <a:fontRef idx="minor">
+            <a:schemeClr val="lt1"/>
+          </a:fontRef>
+        </p:style>
+        <p:txBody>
+          <a:bodyPr rtlCol="0" anchor="ctr" wrap="square" lIns="0" rIns="0" tIns="0" bIns="0"/>
+          <a:lstStyle/>
+          <a:p>
+            <a:pPr algn="ctr"/>
+          </a:p>
+        </p:txBody>
+      </p:sp>
+      <p:sp>
+        <p:nvSpPr>
+          <p:cNvPr id="4" name="TextBox 3"/>
+          <p:cNvSpPr txBox="1"/>
+          <p:nvPr/>
+        </p:nvSpPr>
+        <p:spPr>
+          <a:xfrm>
+            <a:off x="1320800" y="3771900"/>
+            <a:ext cx="3886200" cy="508000"/>
+          </a:xfrm>
+          <a:prstGeom prst="rect">
+            <a:avLst/>
+          </a:prstGeom>
+          <a:noFill/>
+        </p:spPr>
+        <p:txBody>
+          <a:bodyPr wrap="square" lIns="0" rIns="0" tIns="0" bIns="0">
+            <a:spAutoFit/>
+          </a:bodyPr>
+          <a:lstStyle/>
+          <a:p>
+            <a:pPr algn="l">
+              <a:defRPr b="1" i="0" sz="3200">
+                <a:solidFill>
+                  <a:srgbClr val="5E8CF0"/>
+                </a:solidFill>
+                <a:latin typeface="Instrument"/>
+              </a:defRPr>
+            </a:pPr>
+            <a:r>
+              <a:rPr b="1" i="0" sz="3200">
+                <a:solidFill>
+                  <a:srgbClr val="5E8CF0"/>
+                </a:solidFill>
+                <a:latin typeface="Instrument"/>
+              </a:rPr>
+              <a:t>01</a:t>
+            </a:r>
+          </a:p>
+        </p:txBody>
+      </p:sp>
+      <p:sp>
+        <p:nvSpPr>
+          <p:cNvPr id="5" name="TextBox 4"/>
+          <p:cNvSpPr txBox="1"/>
+          <p:nvPr/>
+        </p:nvSpPr>
+        <p:spPr>
+          <a:xfrm>
+            <a:off x="1320800" y="4483100"/>
+            <a:ext cx="3886200" cy="406400"/>
+          </a:xfrm>
+          <a:prstGeom prst="rect">
+            <a:avLst/>
+          </a:prstGeom>
+          <a:noFill/>
+        </p:spPr>
+        <p:txBody>
+          <a:bodyPr wrap="square" lIns="0" rIns="0" tIns="0" bIns="0">
+            <a:spAutoFit/>
+          </a:bodyPr>
+          <a:lstStyle/>
+          <a:p>
+            <a:pPr algn="l">
+              <a:defRPr b="1" i="0" sz="2400">
+                <a:solidFill>
+                  <a:srgbClr val="FFFFFF"/>
+                </a:solidFill>
+                <a:latin typeface="Instrument"/>
+              </a:defRPr>
+            </a:pPr>
+            <a:r>
+              <a:rPr b="1" i="0" sz="2400">
+                <a:solidFill>
+                  <a:srgbClr val="FFFFFF"/>
+                </a:solidFill>
+                <a:latin typeface="Instrument"/>
+              </a:rPr>
+              <a:t>High Intelligence</a:t>
+            </a:r>
+          </a:p>
+        </p:txBody>
+      </p:sp>
+      <p:sp>
+        <p:nvSpPr>
+          <p:cNvPr id="6" name="TextBox 5"/>
+          <p:cNvSpPr txBox="1"/>
+          <p:nvPr/>
+        </p:nvSpPr>
+        <p:spPr>
+          <a:xfrm>
+            <a:off x="1320800" y="5092700"/>
+            <a:ext cx="3886200" cy="1905000"/>
+          </a:xfrm>
+          <a:prstGeom prst="rect">
+            <a:avLst/>
+          </a:prstGeom>
+          <a:noFill/>
+        </p:spPr>
+        <p:txBody>
+          <a:bodyPr wrap="square" lIns="0" rIns="0" tIns="0" bIns="0">
+            <a:spAutoFit/>
+          </a:bodyPr>
+          <a:lstStyle/>
+          <a:p>
+            <a:pPr algn="l">
+              <a:defRPr b="0" i="0" sz="2000">
+                <a:solidFill>
+                  <a:srgbClr val="E6E6E6"/>
+                </a:solidFill>
+                <a:latin typeface="Instrument"/>
+              </a:defRPr>
+            </a:pPr>
+            <a:r>
+              <a:rPr b="0" i="0" sz="2000">
+                <a:solidFill>
+                  <a:srgbClr val="E6E6E6"/>
+                </a:solidFill>
+                <a:latin typeface="Instrument"/>
+              </a:rPr>
+              <a:t>Geniuses typically exhibit exceptional intellectual capacity, enabling them to grasp complex concepts and solve intricate problems effectively.</a:t>
+            </a:r>
+          </a:p>
+        </p:txBody>
+      </p:sp>
+      <p:sp>
+        <p:nvSpPr>
+          <p:cNvPr id="7" name="Rounded Rectangle 6"/>
+          <p:cNvSpPr/>
+          <p:nvPr/>
+        </p:nvSpPr>
+        <p:spPr>
+          <a:xfrm>
+            <a:off x="5892800" y="3467100"/>
+            <a:ext cx="4470400" cy="3835400"/>
+          </a:xfrm>
+          <a:prstGeom prst="roundRect">
+            <a:avLst>
+              <a:gd name="adj" fmla="val 2649"/>
+            </a:avLst>
+          </a:prstGeom>
+          <a:solidFill>
+            <a:srgbClr val="29136C"/>
+          </a:solidFill>
+          <a:ln>
+            <a:noFill/>
+          </a:ln>
+          <a:effectLst>
+            <a:outerShdw blurRad="127000" dir="90000" dist="25400" rotWithShape="0">
+              <a:srgbClr val="2b2b2b">
+                <a:alpha val="20000"/>
+              </a:srgbClr>
+            </a:outerShdw>
+          </a:effectLst>
+        </p:spPr>
+        <p:style>
+          <a:lnRef idx="1">
+            <a:schemeClr val="accent1"/>
+          </a:lnRef>
+          <a:fillRef idx="3">
+            <a:schemeClr val="accent1"/>
+          </a:fillRef>
+          <a:effectRef idx="2">
+            <a:schemeClr val="accent1"/>
+          </a:effectRef>
+          <a:fontRef idx="minor">
+            <a:schemeClr val="lt1"/>
+          </a:fontRef>
+        </p:style>
+        <p:txBody>
+          <a:bodyPr rtlCol="0" anchor="ctr" wrap="square" lIns="0" rIns="0" tIns="0" bIns="0"/>
+          <a:lstStyle/>
+          <a:p>
+            <a:pPr algn="ctr"/>
+          </a:p>
+        </p:txBody>
+      </p:sp>
+      <p:sp>
+        <p:nvSpPr>
+          <p:cNvPr id="8" name="TextBox 7"/>
+          <p:cNvSpPr txBox="1"/>
+          <p:nvPr/>
+        </p:nvSpPr>
+        <p:spPr>
+          <a:xfrm>
+            <a:off x="6197600" y="3771900"/>
+            <a:ext cx="3886200" cy="508000"/>
+          </a:xfrm>
+          <a:prstGeom prst="rect">
+            <a:avLst/>
+          </a:prstGeom>
+          <a:noFill/>
+        </p:spPr>
+        <p:txBody>
+          <a:bodyPr wrap="square" lIns="0" rIns="0" tIns="0" bIns="0">
+            <a:spAutoFit/>
+          </a:bodyPr>
+          <a:lstStyle/>
+          <a:p>
+            <a:pPr algn="l">
+              <a:defRPr b="1" i="0" sz="3200">
+                <a:solidFill>
+                  <a:srgbClr val="5E8CF0"/>
+                </a:solidFill>
+                <a:latin typeface="Instrument"/>
+              </a:defRPr>
+            </a:pPr>
+            <a:r>
+              <a:rPr b="1" i="0" sz="3200">
+                <a:solidFill>
+                  <a:srgbClr val="5E8CF0"/>
+                </a:solidFill>
+                <a:latin typeface="Instrument"/>
+              </a:rPr>
+              <a:t>02</a:t>
+            </a:r>
+          </a:p>
+        </p:txBody>
+      </p:sp>
+      <p:sp>
+        <p:nvSpPr>
+          <p:cNvPr id="9" name="TextBox 8"/>
+          <p:cNvSpPr txBox="1"/>
+          <p:nvPr/>
+        </p:nvSpPr>
+        <p:spPr>
+          <a:xfrm>
+            <a:off x="6197600" y="4483100"/>
+            <a:ext cx="3886200" cy="406400"/>
+          </a:xfrm>
+          <a:prstGeom prst="rect">
+            <a:avLst/>
+          </a:prstGeom>
+          <a:noFill/>
+        </p:spPr>
+        <p:txBody>
+          <a:bodyPr wrap="square" lIns="0" rIns="0" tIns="0" bIns="0">
+            <a:spAutoFit/>
+          </a:bodyPr>
+          <a:lstStyle/>
+          <a:p>
+            <a:pPr algn="l">
+              <a:defRPr b="1" i="0" sz="2400">
+                <a:solidFill>
+                  <a:srgbClr val="FFFFFF"/>
+                </a:solidFill>
+                <a:latin typeface="Instrument"/>
+              </a:defRPr>
+            </a:pPr>
+            <a:r>
+              <a:rPr b="1" i="0" sz="2400">
+                <a:solidFill>
+                  <a:srgbClr val="FFFFFF"/>
+                </a:solidFill>
+                <a:latin typeface="Instrument"/>
+              </a:rPr>
+              <a:t>Intense Curiosity</a:t>
+            </a:r>
+          </a:p>
+        </p:txBody>
+      </p:sp>
+      <p:sp>
+        <p:nvSpPr>
+          <p:cNvPr id="10" name="TextBox 9"/>
+          <p:cNvSpPr txBox="1"/>
+          <p:nvPr/>
+        </p:nvSpPr>
+        <p:spPr>
+          <a:xfrm>
+            <a:off x="6197600" y="5092700"/>
+            <a:ext cx="3886200" cy="1905000"/>
+          </a:xfrm>
+          <a:prstGeom prst="rect">
+            <a:avLst/>
+          </a:prstGeom>
+          <a:noFill/>
+        </p:spPr>
+        <p:txBody>
+          <a:bodyPr wrap="square" lIns="0" rIns="0" tIns="0" bIns="0">
+            <a:spAutoFit/>
+          </a:bodyPr>
+          <a:lstStyle/>
+          <a:p>
+            <a:pPr algn="l">
+              <a:defRPr b="0" i="0" sz="2000">
+                <a:solidFill>
+                  <a:srgbClr val="E6E6E6"/>
+                </a:solidFill>
+                <a:latin typeface="Instrument"/>
+              </a:defRPr>
+            </a:pPr>
+            <a:r>
+              <a:rPr b="0" i="0" sz="2000">
+                <a:solidFill>
+                  <a:srgbClr val="E6E6E6"/>
+                </a:solidFill>
+                <a:latin typeface="Instrument"/>
+              </a:rPr>
+              <a:t>Driven by an insatiable thirst for knowledge, geniuses explore diverse subjects, seeking connections and patterns that others may overlook.</a:t>
+            </a:r>
+          </a:p>
+        </p:txBody>
+      </p:sp>
+      <p:sp>
+        <p:nvSpPr>
+          <p:cNvPr id="11" name="Rounded Rectangle 10"/>
+          <p:cNvSpPr/>
+          <p:nvPr/>
+        </p:nvSpPr>
+        <p:spPr>
+          <a:xfrm>
+            <a:off x="10769600" y="3467100"/>
+            <a:ext cx="4470400" cy="3835400"/>
+          </a:xfrm>
+          <a:prstGeom prst="roundRect">
+            <a:avLst>
+              <a:gd name="adj" fmla="val 2649"/>
+            </a:avLst>
+          </a:prstGeom>
+          <a:solidFill>
+            <a:srgbClr val="29136C"/>
+          </a:solidFill>
+          <a:ln>
+            <a:noFill/>
+          </a:ln>
+          <a:effectLst>
+            <a:outerShdw blurRad="127000" dir="90000" dist="25400" rotWithShape="0">
+              <a:srgbClr val="2b2b2b">
+                <a:alpha val="20000"/>
+              </a:srgbClr>
+            </a:outerShdw>
+          </a:effectLst>
+        </p:spPr>
+        <p:style>
+          <a:lnRef idx="1">
+            <a:schemeClr val="accent1"/>
+          </a:lnRef>
+          <a:fillRef idx="3">
+            <a:schemeClr val="accent1"/>
+          </a:fillRef>
+          <a:effectRef idx="2">
+            <a:schemeClr val="accent1"/>
+          </a:effectRef>
+          <a:fontRef idx="minor">
+            <a:schemeClr val="lt1"/>
+          </a:fontRef>
+        </p:style>
+        <p:txBody>
+          <a:bodyPr rtlCol="0" anchor="ctr" wrap="square" lIns="0" rIns="0" tIns="0" bIns="0"/>
+          <a:lstStyle/>
+          <a:p>
+            <a:pPr algn="ctr"/>
+          </a:p>
+        </p:txBody>
+      </p:sp>
+      <p:sp>
+        <p:nvSpPr>
+          <p:cNvPr id="12" name="TextBox 11"/>
+          <p:cNvSpPr txBox="1"/>
+          <p:nvPr/>
+        </p:nvSpPr>
+        <p:spPr>
+          <a:xfrm>
+            <a:off x="11074400" y="3771900"/>
+            <a:ext cx="3886200" cy="508000"/>
+          </a:xfrm>
+          <a:prstGeom prst="rect">
+            <a:avLst/>
+          </a:prstGeom>
+          <a:noFill/>
+        </p:spPr>
+        <p:txBody>
+          <a:bodyPr wrap="square" lIns="0" rIns="0" tIns="0" bIns="0">
+            <a:spAutoFit/>
+          </a:bodyPr>
+          <a:lstStyle/>
+          <a:p>
+            <a:pPr algn="l">
+              <a:defRPr b="1" i="0" sz="3200">
+                <a:solidFill>
+                  <a:srgbClr val="5E8CF0"/>
+                </a:solidFill>
+                <a:latin typeface="Instrument"/>
+              </a:defRPr>
+            </a:pPr>
+            <a:r>
+              <a:rPr b="1" i="0" sz="3200">
+                <a:solidFill>
+                  <a:srgbClr val="5E8CF0"/>
+                </a:solidFill>
+                <a:latin typeface="Instrument"/>
+              </a:rPr>
+              <a:t>03</a:t>
+            </a:r>
+          </a:p>
+        </p:txBody>
+      </p:sp>
+      <p:sp>
+        <p:nvSpPr>
+          <p:cNvPr id="13" name="TextBox 12"/>
+          <p:cNvSpPr txBox="1"/>
+          <p:nvPr/>
+        </p:nvSpPr>
+        <p:spPr>
+          <a:xfrm>
+            <a:off x="11074400" y="4483100"/>
+            <a:ext cx="3886200" cy="406400"/>
+          </a:xfrm>
+          <a:prstGeom prst="rect">
+            <a:avLst/>
+          </a:prstGeom>
+          <a:noFill/>
+        </p:spPr>
+        <p:txBody>
+          <a:bodyPr wrap="square" lIns="0" rIns="0" tIns="0" bIns="0">
+            <a:spAutoFit/>
+          </a:bodyPr>
+          <a:lstStyle/>
+          <a:p>
+            <a:pPr algn="l">
+              <a:defRPr b="1" i="0" sz="2400">
+                <a:solidFill>
+                  <a:srgbClr val="FFFFFF"/>
+                </a:solidFill>
+                <a:latin typeface="Instrument"/>
+              </a:defRPr>
+            </a:pPr>
+            <a:r>
+              <a:rPr b="1" i="0" sz="2400">
+                <a:solidFill>
+                  <a:srgbClr val="FFFFFF"/>
+                </a:solidFill>
+                <a:latin typeface="Instrument"/>
+              </a:rPr>
+              <a:t>Persistent Drive</a:t>
+            </a:r>
+          </a:p>
+        </p:txBody>
+      </p:sp>
+      <p:sp>
+        <p:nvSpPr>
+          <p:cNvPr id="14" name="TextBox 13"/>
+          <p:cNvSpPr txBox="1"/>
+          <p:nvPr/>
+        </p:nvSpPr>
+        <p:spPr>
+          <a:xfrm>
+            <a:off x="11074400" y="5092700"/>
+            <a:ext cx="3886200" cy="1905000"/>
+          </a:xfrm>
+          <a:prstGeom prst="rect">
+            <a:avLst/>
+          </a:prstGeom>
+          <a:noFill/>
+        </p:spPr>
+        <p:txBody>
+          <a:bodyPr wrap="square" lIns="0" rIns="0" tIns="0" bIns="0">
+            <a:spAutoFit/>
+          </a:bodyPr>
+          <a:lstStyle/>
+          <a:p>
+            <a:pPr algn="l">
+              <a:defRPr b="0" i="0" sz="2000">
+                <a:solidFill>
+                  <a:srgbClr val="E6E6E6"/>
+                </a:solidFill>
+                <a:latin typeface="Instrument"/>
+              </a:defRPr>
+            </a:pPr>
+            <a:r>
+              <a:rPr b="0" i="0" sz="2000">
+                <a:solidFill>
+                  <a:srgbClr val="E6E6E6"/>
+                </a:solidFill>
+                <a:latin typeface="Instrument"/>
+              </a:rPr>
+              <a:t>Geniuses maintain unwavering focus and determination, overcoming obstacles and setbacks to realize their vision and achieve their goals.</a:t>
+            </a:r>
+          </a:p>
+        </p:txBody>
+      </p:sp>
+      <p:sp>
+        <p:nvSpPr>
+          <p:cNvPr id="15" name="TextBox 14"/>
+          <p:cNvSpPr txBox="1"/>
+          <p:nvPr/>
+        </p:nvSpPr>
+        <p:spPr>
+          <a:xfrm>
+            <a:off x="8128000" y="8890000"/>
+            <a:ext cx="25400" cy="0"/>
+          </a:xfrm>
+          <a:prstGeom prst="rect">
+            <a:avLst/>
+          </a:prstGeom>
+          <a:noFill/>
+        </p:spPr>
+        <p:txBody>
+          <a:bodyPr wrap="square" lIns="0" rIns="0" tIns="0" bIns="0">
+            <a:spAutoFit/>
+          </a:bodyPr>
+          <a:lstStyle/>
+          <a:p>
+            <a:pPr algn="l">
+              <a:defRPr b="0" i="0" sz="1200">
+                <a:solidFill>
+                  <a:srgbClr val="FFFFFF"/>
+                </a:solidFill>
+                <a:latin typeface="Instrument"/>
+              </a:defRPr>
+            </a:pPr>
           </a:p>
         </p:txBody>
       </p:sp>
@@ -3337,7 +4392,7 @@
     <p:bg>
       <p:bgPr>
         <a:solidFill>
-          <a:srgbClr val="1E1E1E"/>
+          <a:srgbClr val="091433"/>
         </a:solidFill>
         <a:effectLst/>
       </p:bgPr>
@@ -3357,8 +4412,8 @@
         </p:nvSpPr>
         <p:spPr>
           <a:xfrm>
-            <a:off x="635000" y="635000"/>
-            <a:ext cx="7645400" cy="1270000"/>
+            <a:off x="1016000" y="1841500"/>
+            <a:ext cx="14249400" cy="609600"/>
           </a:xfrm>
           <a:prstGeom prst="rect">
             <a:avLst/>
@@ -3371,23 +4426,590 @@
           </a:bodyPr>
           <a:lstStyle/>
           <a:p>
-            <a:pPr>
-              <a:defRPr b="1" i="0" sz="3600">
-                <a:solidFill>
-                  <a:srgbClr val="000000"/>
-                </a:solidFill>
-                <a:latin typeface="Inter"/>
+            <a:pPr algn="ctr">
+              <a:defRPr b="1" i="0" sz="4000">
+                <a:solidFill>
+                  <a:srgbClr val="FFFFFF"/>
+                </a:solidFill>
+                <a:latin typeface="Instrument"/>
               </a:defRPr>
             </a:pPr>
             <a:r>
-              <a:rPr b="1" i="0" sz="3600">
-                <a:solidFill>
-                  <a:srgbClr val="000000"/>
-                </a:solidFill>
-                <a:latin typeface="Inter"/>
+              <a:rPr b="1" i="0" sz="4000">
+                <a:solidFill>
+                  <a:srgbClr val="FFFFFF"/>
+                </a:solidFill>
+                <a:latin typeface="Instrument"/>
               </a:rPr>
               <a:t>The Making of a Genius</a:t>
             </a:r>
+          </a:p>
+        </p:txBody>
+      </p:sp>
+      <p:sp>
+        <p:nvSpPr>
+          <p:cNvPr id="3" name="Rounded Rectangle 2"/>
+          <p:cNvSpPr/>
+          <p:nvPr/>
+        </p:nvSpPr>
+        <p:spPr>
+          <a:xfrm>
+            <a:off x="1016000" y="3467100"/>
+            <a:ext cx="4470400" cy="3835400"/>
+          </a:xfrm>
+          <a:prstGeom prst="roundRect">
+            <a:avLst>
+              <a:gd name="adj" fmla="val 2649"/>
+            </a:avLst>
+          </a:prstGeom>
+          <a:solidFill>
+            <a:srgbClr val="29136C"/>
+          </a:solidFill>
+          <a:ln>
+            <a:noFill/>
+          </a:ln>
+          <a:effectLst>
+            <a:outerShdw blurRad="127000" dir="90000" dist="25400" rotWithShape="0">
+              <a:srgbClr val="2b2b2b">
+                <a:alpha val="20000"/>
+              </a:srgbClr>
+            </a:outerShdw>
+          </a:effectLst>
+        </p:spPr>
+        <p:style>
+          <a:lnRef idx="1">
+            <a:schemeClr val="accent1"/>
+          </a:lnRef>
+          <a:fillRef idx="3">
+            <a:schemeClr val="accent1"/>
+          </a:fillRef>
+          <a:effectRef idx="2">
+            <a:schemeClr val="accent1"/>
+          </a:effectRef>
+          <a:fontRef idx="minor">
+            <a:schemeClr val="lt1"/>
+          </a:fontRef>
+        </p:style>
+        <p:txBody>
+          <a:bodyPr rtlCol="0" anchor="ctr" wrap="square" lIns="0" rIns="0" tIns="0" bIns="0"/>
+          <a:lstStyle/>
+          <a:p>
+            <a:pPr algn="ctr"/>
+          </a:p>
+        </p:txBody>
+      </p:sp>
+      <p:sp>
+        <p:nvSpPr>
+          <p:cNvPr id="4" name="TextBox 3"/>
+          <p:cNvSpPr txBox="1"/>
+          <p:nvPr/>
+        </p:nvSpPr>
+        <p:spPr>
+          <a:xfrm>
+            <a:off x="1320800" y="3771900"/>
+            <a:ext cx="3886200" cy="508000"/>
+          </a:xfrm>
+          <a:prstGeom prst="rect">
+            <a:avLst/>
+          </a:prstGeom>
+          <a:noFill/>
+        </p:spPr>
+        <p:txBody>
+          <a:bodyPr wrap="square" lIns="0" rIns="0" tIns="0" bIns="0">
+            <a:spAutoFit/>
+          </a:bodyPr>
+          <a:lstStyle/>
+          <a:p>
+            <a:pPr algn="l">
+              <a:defRPr b="1" i="0" sz="3200">
+                <a:solidFill>
+                  <a:srgbClr val="5E8CF0"/>
+                </a:solidFill>
+                <a:latin typeface="Instrument"/>
+              </a:defRPr>
+            </a:pPr>
+            <a:r>
+              <a:rPr b="1" i="0" sz="3200">
+                <a:solidFill>
+                  <a:srgbClr val="5E8CF0"/>
+                </a:solidFill>
+                <a:latin typeface="Instrument"/>
+              </a:rPr>
+              <a:t>01</a:t>
+            </a:r>
+          </a:p>
+        </p:txBody>
+      </p:sp>
+      <p:sp>
+        <p:nvSpPr>
+          <p:cNvPr id="5" name="TextBox 4"/>
+          <p:cNvSpPr txBox="1"/>
+          <p:nvPr/>
+        </p:nvSpPr>
+        <p:spPr>
+          <a:xfrm>
+            <a:off x="1320800" y="4483100"/>
+            <a:ext cx="3886200" cy="406400"/>
+          </a:xfrm>
+          <a:prstGeom prst="rect">
+            <a:avLst/>
+          </a:prstGeom>
+          <a:noFill/>
+        </p:spPr>
+        <p:txBody>
+          <a:bodyPr wrap="square" lIns="0" rIns="0" tIns="0" bIns="0">
+            <a:spAutoFit/>
+          </a:bodyPr>
+          <a:lstStyle/>
+          <a:p>
+            <a:pPr algn="l">
+              <a:defRPr b="1" i="0" sz="2400">
+                <a:solidFill>
+                  <a:srgbClr val="FFFFFF"/>
+                </a:solidFill>
+                <a:latin typeface="Instrument"/>
+              </a:defRPr>
+            </a:pPr>
+            <a:r>
+              <a:rPr b="1" i="0" sz="2400">
+                <a:solidFill>
+                  <a:srgbClr val="FFFFFF"/>
+                </a:solidFill>
+                <a:latin typeface="Instrument"/>
+              </a:rPr>
+              <a:t>Early Exposure</a:t>
+            </a:r>
+          </a:p>
+        </p:txBody>
+      </p:sp>
+      <p:sp>
+        <p:nvSpPr>
+          <p:cNvPr id="6" name="TextBox 5"/>
+          <p:cNvSpPr txBox="1"/>
+          <p:nvPr/>
+        </p:nvSpPr>
+        <p:spPr>
+          <a:xfrm>
+            <a:off x="1320800" y="5092700"/>
+            <a:ext cx="3886200" cy="1905000"/>
+          </a:xfrm>
+          <a:prstGeom prst="rect">
+            <a:avLst/>
+          </a:prstGeom>
+          <a:noFill/>
+        </p:spPr>
+        <p:txBody>
+          <a:bodyPr wrap="square" lIns="0" rIns="0" tIns="0" bIns="0">
+            <a:spAutoFit/>
+          </a:bodyPr>
+          <a:lstStyle/>
+          <a:p>
+            <a:pPr algn="l">
+              <a:defRPr b="0" i="0" sz="2000">
+                <a:solidFill>
+                  <a:srgbClr val="E6E6E6"/>
+                </a:solidFill>
+                <a:latin typeface="Instrument"/>
+              </a:defRPr>
+            </a:pPr>
+            <a:r>
+              <a:rPr b="0" i="0" sz="2000">
+                <a:solidFill>
+                  <a:srgbClr val="E6E6E6"/>
+                </a:solidFill>
+                <a:latin typeface="Instrument"/>
+              </a:rPr>
+              <a:t>Early exposure to stimulating environments and resources can ignite a child's passion and unlock their potential for greatness.</a:t>
+            </a:r>
+          </a:p>
+        </p:txBody>
+      </p:sp>
+      <p:sp>
+        <p:nvSpPr>
+          <p:cNvPr id="7" name="Rounded Rectangle 6"/>
+          <p:cNvSpPr/>
+          <p:nvPr/>
+        </p:nvSpPr>
+        <p:spPr>
+          <a:xfrm>
+            <a:off x="5892800" y="3467100"/>
+            <a:ext cx="4470400" cy="3835400"/>
+          </a:xfrm>
+          <a:prstGeom prst="roundRect">
+            <a:avLst>
+              <a:gd name="adj" fmla="val 2649"/>
+            </a:avLst>
+          </a:prstGeom>
+          <a:solidFill>
+            <a:srgbClr val="29136C"/>
+          </a:solidFill>
+          <a:ln>
+            <a:noFill/>
+          </a:ln>
+          <a:effectLst>
+            <a:outerShdw blurRad="127000" dir="90000" dist="25400" rotWithShape="0">
+              <a:srgbClr val="2b2b2b">
+                <a:alpha val="20000"/>
+              </a:srgbClr>
+            </a:outerShdw>
+          </a:effectLst>
+        </p:spPr>
+        <p:style>
+          <a:lnRef idx="1">
+            <a:schemeClr val="accent1"/>
+          </a:lnRef>
+          <a:fillRef idx="3">
+            <a:schemeClr val="accent1"/>
+          </a:fillRef>
+          <a:effectRef idx="2">
+            <a:schemeClr val="accent1"/>
+          </a:effectRef>
+          <a:fontRef idx="minor">
+            <a:schemeClr val="lt1"/>
+          </a:fontRef>
+        </p:style>
+        <p:txBody>
+          <a:bodyPr rtlCol="0" anchor="ctr" wrap="square" lIns="0" rIns="0" tIns="0" bIns="0"/>
+          <a:lstStyle/>
+          <a:p>
+            <a:pPr algn="ctr"/>
+          </a:p>
+        </p:txBody>
+      </p:sp>
+      <p:sp>
+        <p:nvSpPr>
+          <p:cNvPr id="8" name="TextBox 7"/>
+          <p:cNvSpPr txBox="1"/>
+          <p:nvPr/>
+        </p:nvSpPr>
+        <p:spPr>
+          <a:xfrm>
+            <a:off x="6197600" y="3771900"/>
+            <a:ext cx="3886200" cy="508000"/>
+          </a:xfrm>
+          <a:prstGeom prst="rect">
+            <a:avLst/>
+          </a:prstGeom>
+          <a:noFill/>
+        </p:spPr>
+        <p:txBody>
+          <a:bodyPr wrap="square" lIns="0" rIns="0" tIns="0" bIns="0">
+            <a:spAutoFit/>
+          </a:bodyPr>
+          <a:lstStyle/>
+          <a:p>
+            <a:pPr algn="l">
+              <a:defRPr b="1" i="0" sz="3200">
+                <a:solidFill>
+                  <a:srgbClr val="5E8CF0"/>
+                </a:solidFill>
+                <a:latin typeface="Instrument"/>
+              </a:defRPr>
+            </a:pPr>
+            <a:r>
+              <a:rPr b="1" i="0" sz="3200">
+                <a:solidFill>
+                  <a:srgbClr val="5E8CF0"/>
+                </a:solidFill>
+                <a:latin typeface="Instrument"/>
+              </a:rPr>
+              <a:t>02</a:t>
+            </a:r>
+          </a:p>
+        </p:txBody>
+      </p:sp>
+      <p:sp>
+        <p:nvSpPr>
+          <p:cNvPr id="9" name="TextBox 8"/>
+          <p:cNvSpPr txBox="1"/>
+          <p:nvPr/>
+        </p:nvSpPr>
+        <p:spPr>
+          <a:xfrm>
+            <a:off x="6197600" y="4483100"/>
+            <a:ext cx="3886200" cy="406400"/>
+          </a:xfrm>
+          <a:prstGeom prst="rect">
+            <a:avLst/>
+          </a:prstGeom>
+          <a:noFill/>
+        </p:spPr>
+        <p:txBody>
+          <a:bodyPr wrap="square" lIns="0" rIns="0" tIns="0" bIns="0">
+            <a:spAutoFit/>
+          </a:bodyPr>
+          <a:lstStyle/>
+          <a:p>
+            <a:pPr algn="l">
+              <a:defRPr b="1" i="0" sz="2400">
+                <a:solidFill>
+                  <a:srgbClr val="FFFFFF"/>
+                </a:solidFill>
+                <a:latin typeface="Instrument"/>
+              </a:defRPr>
+            </a:pPr>
+            <a:r>
+              <a:rPr b="1" i="0" sz="2400">
+                <a:solidFill>
+                  <a:srgbClr val="FFFFFF"/>
+                </a:solidFill>
+                <a:latin typeface="Instrument"/>
+              </a:rPr>
+              <a:t>Deliberate Practice</a:t>
+            </a:r>
+          </a:p>
+        </p:txBody>
+      </p:sp>
+      <p:sp>
+        <p:nvSpPr>
+          <p:cNvPr id="10" name="TextBox 9"/>
+          <p:cNvSpPr txBox="1"/>
+          <p:nvPr/>
+        </p:nvSpPr>
+        <p:spPr>
+          <a:xfrm>
+            <a:off x="6197600" y="5092700"/>
+            <a:ext cx="3886200" cy="1524000"/>
+          </a:xfrm>
+          <a:prstGeom prst="rect">
+            <a:avLst/>
+          </a:prstGeom>
+          <a:noFill/>
+        </p:spPr>
+        <p:txBody>
+          <a:bodyPr wrap="square" lIns="0" rIns="0" tIns="0" bIns="0">
+            <a:spAutoFit/>
+          </a:bodyPr>
+          <a:lstStyle/>
+          <a:p>
+            <a:pPr algn="l">
+              <a:defRPr b="0" i="0" sz="2000">
+                <a:solidFill>
+                  <a:srgbClr val="E6E6E6"/>
+                </a:solidFill>
+                <a:latin typeface="Instrument"/>
+              </a:defRPr>
+            </a:pPr>
+            <a:r>
+              <a:rPr b="0" i="0" sz="2000">
+                <a:solidFill>
+                  <a:srgbClr val="E6E6E6"/>
+                </a:solidFill>
+                <a:latin typeface="Instrument"/>
+              </a:rPr>
+              <a:t>Focused training and dedicated effort are essential for honing skills and mastering expertise in a chosen field of endeavor.</a:t>
+            </a:r>
+          </a:p>
+        </p:txBody>
+      </p:sp>
+      <p:sp>
+        <p:nvSpPr>
+          <p:cNvPr id="11" name="Rounded Rectangle 10"/>
+          <p:cNvSpPr/>
+          <p:nvPr/>
+        </p:nvSpPr>
+        <p:spPr>
+          <a:xfrm>
+            <a:off x="10769600" y="3467100"/>
+            <a:ext cx="4470400" cy="3835400"/>
+          </a:xfrm>
+          <a:prstGeom prst="roundRect">
+            <a:avLst>
+              <a:gd name="adj" fmla="val 2649"/>
+            </a:avLst>
+          </a:prstGeom>
+          <a:solidFill>
+            <a:srgbClr val="29136C"/>
+          </a:solidFill>
+          <a:ln>
+            <a:noFill/>
+          </a:ln>
+          <a:effectLst>
+            <a:outerShdw blurRad="127000" dir="90000" dist="25400" rotWithShape="0">
+              <a:srgbClr val="2b2b2b">
+                <a:alpha val="20000"/>
+              </a:srgbClr>
+            </a:outerShdw>
+          </a:effectLst>
+        </p:spPr>
+        <p:style>
+          <a:lnRef idx="1">
+            <a:schemeClr val="accent1"/>
+          </a:lnRef>
+          <a:fillRef idx="3">
+            <a:schemeClr val="accent1"/>
+          </a:fillRef>
+          <a:effectRef idx="2">
+            <a:schemeClr val="accent1"/>
+          </a:effectRef>
+          <a:fontRef idx="minor">
+            <a:schemeClr val="lt1"/>
+          </a:fontRef>
+        </p:style>
+        <p:txBody>
+          <a:bodyPr rtlCol="0" anchor="ctr" wrap="square" lIns="0" rIns="0" tIns="0" bIns="0"/>
+          <a:lstStyle/>
+          <a:p>
+            <a:pPr algn="ctr"/>
+          </a:p>
+        </p:txBody>
+      </p:sp>
+      <p:sp>
+        <p:nvSpPr>
+          <p:cNvPr id="12" name="TextBox 11"/>
+          <p:cNvSpPr txBox="1"/>
+          <p:nvPr/>
+        </p:nvSpPr>
+        <p:spPr>
+          <a:xfrm>
+            <a:off x="11074400" y="3771900"/>
+            <a:ext cx="3886200" cy="508000"/>
+          </a:xfrm>
+          <a:prstGeom prst="rect">
+            <a:avLst/>
+          </a:prstGeom>
+          <a:noFill/>
+        </p:spPr>
+        <p:txBody>
+          <a:bodyPr wrap="square" lIns="0" rIns="0" tIns="0" bIns="0">
+            <a:spAutoFit/>
+          </a:bodyPr>
+          <a:lstStyle/>
+          <a:p>
+            <a:pPr algn="l">
+              <a:defRPr b="1" i="0" sz="3200">
+                <a:solidFill>
+                  <a:srgbClr val="5E8CF0"/>
+                </a:solidFill>
+                <a:latin typeface="Instrument"/>
+              </a:defRPr>
+            </a:pPr>
+            <a:r>
+              <a:rPr b="1" i="0" sz="3200">
+                <a:solidFill>
+                  <a:srgbClr val="5E8CF0"/>
+                </a:solidFill>
+                <a:latin typeface="Instrument"/>
+              </a:rPr>
+              <a:t>03</a:t>
+            </a:r>
+          </a:p>
+        </p:txBody>
+      </p:sp>
+      <p:sp>
+        <p:nvSpPr>
+          <p:cNvPr id="13" name="TextBox 12"/>
+          <p:cNvSpPr txBox="1"/>
+          <p:nvPr/>
+        </p:nvSpPr>
+        <p:spPr>
+          <a:xfrm>
+            <a:off x="11074400" y="4483100"/>
+            <a:ext cx="3886200" cy="406400"/>
+          </a:xfrm>
+          <a:prstGeom prst="rect">
+            <a:avLst/>
+          </a:prstGeom>
+          <a:noFill/>
+        </p:spPr>
+        <p:txBody>
+          <a:bodyPr wrap="square" lIns="0" rIns="0" tIns="0" bIns="0">
+            <a:spAutoFit/>
+          </a:bodyPr>
+          <a:lstStyle/>
+          <a:p>
+            <a:pPr algn="l">
+              <a:defRPr b="1" i="0" sz="2400">
+                <a:solidFill>
+                  <a:srgbClr val="FFFFFF"/>
+                </a:solidFill>
+                <a:latin typeface="Instrument"/>
+              </a:defRPr>
+            </a:pPr>
+            <a:r>
+              <a:rPr b="1" i="0" sz="2400">
+                <a:solidFill>
+                  <a:srgbClr val="FFFFFF"/>
+                </a:solidFill>
+                <a:latin typeface="Instrument"/>
+              </a:rPr>
+              <a:t>Mentorship</a:t>
+            </a:r>
+          </a:p>
+        </p:txBody>
+      </p:sp>
+      <p:sp>
+        <p:nvSpPr>
+          <p:cNvPr id="14" name="TextBox 13"/>
+          <p:cNvSpPr txBox="1"/>
+          <p:nvPr/>
+        </p:nvSpPr>
+        <p:spPr>
+          <a:xfrm>
+            <a:off x="11074400" y="5092700"/>
+            <a:ext cx="3886200" cy="1905000"/>
+          </a:xfrm>
+          <a:prstGeom prst="rect">
+            <a:avLst/>
+          </a:prstGeom>
+          <a:noFill/>
+        </p:spPr>
+        <p:txBody>
+          <a:bodyPr wrap="square" lIns="0" rIns="0" tIns="0" bIns="0">
+            <a:spAutoFit/>
+          </a:bodyPr>
+          <a:lstStyle/>
+          <a:p>
+            <a:pPr algn="l">
+              <a:defRPr b="0" i="0" sz="2000">
+                <a:solidFill>
+                  <a:srgbClr val="E6E6E6"/>
+                </a:solidFill>
+                <a:latin typeface="Instrument"/>
+              </a:defRPr>
+            </a:pPr>
+            <a:r>
+              <a:rPr b="0" i="0" sz="2000">
+                <a:solidFill>
+                  <a:srgbClr val="E6E6E6"/>
+                </a:solidFill>
+                <a:latin typeface="Instrument"/>
+              </a:rPr>
+              <a:t>Guidance from experienced mentors can provide invaluable insights, support, and encouragement along the path to achievement.</a:t>
+            </a:r>
+          </a:p>
+        </p:txBody>
+      </p:sp>
+      <p:sp>
+        <p:nvSpPr>
+          <p:cNvPr id="15" name="TextBox 14"/>
+          <p:cNvSpPr txBox="1"/>
+          <p:nvPr/>
+        </p:nvSpPr>
+        <p:spPr>
+          <a:xfrm>
+            <a:off x="8128000" y="8890000"/>
+            <a:ext cx="25400" cy="0"/>
+          </a:xfrm>
+          <a:prstGeom prst="rect">
+            <a:avLst/>
+          </a:prstGeom>
+          <a:noFill/>
+        </p:spPr>
+        <p:txBody>
+          <a:bodyPr wrap="square" lIns="0" rIns="0" tIns="0" bIns="0">
+            <a:spAutoFit/>
+          </a:bodyPr>
+          <a:lstStyle/>
+          <a:p>
+            <a:pPr algn="l">
+              <a:defRPr b="0" i="0" sz="1200">
+                <a:solidFill>
+                  <a:srgbClr val="FFFFFF"/>
+                </a:solidFill>
+                <a:latin typeface="Instrument"/>
+              </a:defRPr>
+            </a:pPr>
           </a:p>
         </p:txBody>
       </p:sp>
@@ -3405,7 +5027,7 @@
     <p:bg>
       <p:bgPr>
         <a:solidFill>
-          <a:srgbClr val="1E1E1E"/>
+          <a:srgbClr val="091433"/>
         </a:solidFill>
         <a:effectLst/>
       </p:bgPr>
@@ -3425,8 +5047,8 @@
         </p:nvSpPr>
         <p:spPr>
           <a:xfrm>
-            <a:off x="635000" y="635000"/>
-            <a:ext cx="7645400" cy="1270000"/>
+            <a:off x="1016000" y="3733800"/>
+            <a:ext cx="6731000" cy="609600"/>
           </a:xfrm>
           <a:prstGeom prst="rect">
             <a:avLst/>
@@ -3439,20 +5061,20 @@
           </a:bodyPr>
           <a:lstStyle/>
           <a:p>
-            <a:pPr>
-              <a:defRPr b="1" i="0" sz="3600">
-                <a:solidFill>
-                  <a:srgbClr val="000000"/>
-                </a:solidFill>
-                <a:latin typeface="Inter"/>
+            <a:pPr algn="l">
+              <a:defRPr b="1" i="0" sz="4000">
+                <a:solidFill>
+                  <a:srgbClr val="FFFFFF"/>
+                </a:solidFill>
+                <a:latin typeface="Instrument"/>
               </a:defRPr>
             </a:pPr>
             <a:r>
-              <a:rPr b="1" i="0" sz="3600">
-                <a:solidFill>
-                  <a:srgbClr val="000000"/>
-                </a:solidFill>
-                <a:latin typeface="Inter"/>
+              <a:rPr b="1" i="0" sz="4000">
+                <a:solidFill>
+                  <a:srgbClr val="FFFFFF"/>
+                </a:solidFill>
+                <a:latin typeface="Instrument"/>
               </a:rPr>
               <a:t>Nurturing Genius Potential</a:t>
             </a:r>
@@ -3467,8 +5089,8 @@
         </p:nvSpPr>
         <p:spPr>
           <a:xfrm>
-            <a:off x="635000" y="2794000"/>
-            <a:ext cx="7645400" cy="3810000"/>
+            <a:off x="1016000" y="4648200"/>
+            <a:ext cx="6731000" cy="762000"/>
           </a:xfrm>
           <a:prstGeom prst="rect">
             <a:avLst/>
@@ -3481,23 +5103,590 @@
           </a:bodyPr>
           <a:lstStyle/>
           <a:p>
-            <a:pPr>
-              <a:defRPr b="0" i="0" sz="1800">
-                <a:solidFill>
-                  <a:srgbClr val="000000"/>
-                </a:solidFill>
-                <a:latin typeface="Inter"/>
+            <a:pPr algn="l">
+              <a:defRPr b="0" i="0" sz="2000">
+                <a:solidFill>
+                  <a:srgbClr val="E6E6E6"/>
+                </a:solidFill>
+                <a:latin typeface="Instrument"/>
               </a:defRPr>
             </a:pPr>
             <a:r>
-              <a:rPr b="0" i="0" sz="1800">
-                <a:solidFill>
-                  <a:srgbClr val="000000"/>
-                </a:solidFill>
-                <a:latin typeface="Inter"/>
+              <a:rPr b="0" i="0" sz="2000">
+                <a:solidFill>
+                  <a:srgbClr val="E6E6E6"/>
+                </a:solidFill>
+                <a:latin typeface="Instrument"/>
               </a:rPr>
               <a:t>Creating an environment that fosters creativity, curiosity, and critical thinking is vital for unlocking genius potential.</a:t>
             </a:r>
+          </a:p>
+        </p:txBody>
+      </p:sp>
+      <p:sp>
+        <p:nvSpPr>
+          <p:cNvPr id="4" name="Rounded Rectangle 3"/>
+          <p:cNvSpPr/>
+          <p:nvPr/>
+        </p:nvSpPr>
+        <p:spPr>
+          <a:xfrm>
+            <a:off x="8534400" y="508000"/>
+            <a:ext cx="6705600" cy="2311400"/>
+          </a:xfrm>
+          <a:prstGeom prst="roundRect">
+            <a:avLst>
+              <a:gd name="adj" fmla="val 4395"/>
+            </a:avLst>
+          </a:prstGeom>
+          <a:solidFill>
+            <a:srgbClr val="29136C"/>
+          </a:solidFill>
+          <a:ln>
+            <a:noFill/>
+          </a:ln>
+          <a:effectLst>
+            <a:outerShdw blurRad="127000" dir="90000" dist="25400" rotWithShape="0">
+              <a:srgbClr val="2b2b2b">
+                <a:alpha val="20000"/>
+              </a:srgbClr>
+            </a:outerShdw>
+          </a:effectLst>
+        </p:spPr>
+        <p:style>
+          <a:lnRef idx="1">
+            <a:schemeClr val="accent1"/>
+          </a:lnRef>
+          <a:fillRef idx="3">
+            <a:schemeClr val="accent1"/>
+          </a:fillRef>
+          <a:effectRef idx="2">
+            <a:schemeClr val="accent1"/>
+          </a:effectRef>
+          <a:fontRef idx="minor">
+            <a:schemeClr val="lt1"/>
+          </a:fontRef>
+        </p:style>
+        <p:txBody>
+          <a:bodyPr rtlCol="0" anchor="ctr" wrap="square" lIns="0" rIns="0" tIns="0" bIns="0"/>
+          <a:lstStyle/>
+          <a:p>
+            <a:pPr algn="ctr"/>
+          </a:p>
+        </p:txBody>
+      </p:sp>
+      <p:sp>
+        <p:nvSpPr>
+          <p:cNvPr id="5" name="TextBox 4"/>
+          <p:cNvSpPr txBox="1"/>
+          <p:nvPr/>
+        </p:nvSpPr>
+        <p:spPr>
+          <a:xfrm>
+            <a:off x="8839200" y="965200"/>
+            <a:ext cx="444500" cy="508000"/>
+          </a:xfrm>
+          <a:prstGeom prst="rect">
+            <a:avLst/>
+          </a:prstGeom>
+          <a:noFill/>
+        </p:spPr>
+        <p:txBody>
+          <a:bodyPr wrap="square" lIns="0" rIns="0" tIns="0" bIns="0">
+            <a:spAutoFit/>
+          </a:bodyPr>
+          <a:lstStyle/>
+          <a:p>
+            <a:pPr algn="l">
+              <a:defRPr b="1" i="0" sz="3200">
+                <a:solidFill>
+                  <a:srgbClr val="5E8CF0"/>
+                </a:solidFill>
+                <a:latin typeface="Instrument"/>
+              </a:defRPr>
+            </a:pPr>
+            <a:r>
+              <a:rPr b="1" i="0" sz="3200">
+                <a:solidFill>
+                  <a:srgbClr val="5E8CF0"/>
+                </a:solidFill>
+                <a:latin typeface="Instrument"/>
+              </a:rPr>
+              <a:t>01</a:t>
+            </a:r>
+          </a:p>
+        </p:txBody>
+      </p:sp>
+      <p:sp>
+        <p:nvSpPr>
+          <p:cNvPr id="6" name="TextBox 5"/>
+          <p:cNvSpPr txBox="1"/>
+          <p:nvPr/>
+        </p:nvSpPr>
+        <p:spPr>
+          <a:xfrm>
+            <a:off x="9461500" y="812800"/>
+            <a:ext cx="5499100" cy="406400"/>
+          </a:xfrm>
+          <a:prstGeom prst="rect">
+            <a:avLst/>
+          </a:prstGeom>
+          <a:noFill/>
+        </p:spPr>
+        <p:txBody>
+          <a:bodyPr wrap="square" lIns="0" rIns="0" tIns="0" bIns="0">
+            <a:spAutoFit/>
+          </a:bodyPr>
+          <a:lstStyle/>
+          <a:p>
+            <a:pPr algn="l">
+              <a:defRPr b="1" i="0" sz="2400">
+                <a:solidFill>
+                  <a:srgbClr val="FFFFFF"/>
+                </a:solidFill>
+                <a:latin typeface="Instrument"/>
+              </a:defRPr>
+            </a:pPr>
+            <a:r>
+              <a:rPr b="1" i="0" sz="2400">
+                <a:solidFill>
+                  <a:srgbClr val="FFFFFF"/>
+                </a:solidFill>
+                <a:latin typeface="Instrument"/>
+              </a:rPr>
+              <a:t>Encourage Exploration</a:t>
+            </a:r>
+          </a:p>
+        </p:txBody>
+      </p:sp>
+      <p:sp>
+        <p:nvSpPr>
+          <p:cNvPr id="7" name="TextBox 6"/>
+          <p:cNvSpPr txBox="1"/>
+          <p:nvPr/>
+        </p:nvSpPr>
+        <p:spPr>
+          <a:xfrm>
+            <a:off x="9461500" y="1371600"/>
+            <a:ext cx="5499100" cy="1143000"/>
+          </a:xfrm>
+          <a:prstGeom prst="rect">
+            <a:avLst/>
+          </a:prstGeom>
+          <a:noFill/>
+        </p:spPr>
+        <p:txBody>
+          <a:bodyPr wrap="square" lIns="0" rIns="0" tIns="0" bIns="0">
+            <a:spAutoFit/>
+          </a:bodyPr>
+          <a:lstStyle/>
+          <a:p>
+            <a:pPr algn="l">
+              <a:defRPr b="0" i="0" sz="2000">
+                <a:solidFill>
+                  <a:srgbClr val="E6E6E6"/>
+                </a:solidFill>
+                <a:latin typeface="Instrument"/>
+              </a:defRPr>
+            </a:pPr>
+            <a:r>
+              <a:rPr b="0" i="0" sz="2000">
+                <a:solidFill>
+                  <a:srgbClr val="E6E6E6"/>
+                </a:solidFill>
+                <a:latin typeface="Instrument"/>
+              </a:rPr>
+              <a:t>Support exploration of diverse subjects and fields, fostering curiosity and interdisciplinary thinking in aspiring geniuses.</a:t>
+            </a:r>
+          </a:p>
+        </p:txBody>
+      </p:sp>
+      <p:sp>
+        <p:nvSpPr>
+          <p:cNvPr id="8" name="Rounded Rectangle 7"/>
+          <p:cNvSpPr/>
+          <p:nvPr/>
+        </p:nvSpPr>
+        <p:spPr>
+          <a:xfrm>
+            <a:off x="8534400" y="3225800"/>
+            <a:ext cx="6705600" cy="2692400"/>
+          </a:xfrm>
+          <a:prstGeom prst="roundRect">
+            <a:avLst>
+              <a:gd name="adj" fmla="val 3773"/>
+            </a:avLst>
+          </a:prstGeom>
+          <a:solidFill>
+            <a:srgbClr val="29136C"/>
+          </a:solidFill>
+          <a:ln>
+            <a:noFill/>
+          </a:ln>
+          <a:effectLst>
+            <a:outerShdw blurRad="127000" dir="90000" dist="25400" rotWithShape="0">
+              <a:srgbClr val="2b2b2b">
+                <a:alpha val="20000"/>
+              </a:srgbClr>
+            </a:outerShdw>
+          </a:effectLst>
+        </p:spPr>
+        <p:style>
+          <a:lnRef idx="1">
+            <a:schemeClr val="accent1"/>
+          </a:lnRef>
+          <a:fillRef idx="3">
+            <a:schemeClr val="accent1"/>
+          </a:fillRef>
+          <a:effectRef idx="2">
+            <a:schemeClr val="accent1"/>
+          </a:effectRef>
+          <a:fontRef idx="minor">
+            <a:schemeClr val="lt1"/>
+          </a:fontRef>
+        </p:style>
+        <p:txBody>
+          <a:bodyPr rtlCol="0" anchor="ctr" wrap="square" lIns="0" rIns="0" tIns="0" bIns="0"/>
+          <a:lstStyle/>
+          <a:p>
+            <a:pPr algn="ctr"/>
+          </a:p>
+        </p:txBody>
+      </p:sp>
+      <p:sp>
+        <p:nvSpPr>
+          <p:cNvPr id="9" name="TextBox 8"/>
+          <p:cNvSpPr txBox="1"/>
+          <p:nvPr/>
+        </p:nvSpPr>
+        <p:spPr>
+          <a:xfrm>
+            <a:off x="8839200" y="3683000"/>
+            <a:ext cx="520700" cy="508000"/>
+          </a:xfrm>
+          <a:prstGeom prst="rect">
+            <a:avLst/>
+          </a:prstGeom>
+          <a:noFill/>
+        </p:spPr>
+        <p:txBody>
+          <a:bodyPr wrap="square" lIns="0" rIns="0" tIns="0" bIns="0">
+            <a:spAutoFit/>
+          </a:bodyPr>
+          <a:lstStyle/>
+          <a:p>
+            <a:pPr algn="l">
+              <a:defRPr b="1" i="0" sz="3200">
+                <a:solidFill>
+                  <a:srgbClr val="5E8CF0"/>
+                </a:solidFill>
+                <a:latin typeface="Instrument"/>
+              </a:defRPr>
+            </a:pPr>
+            <a:r>
+              <a:rPr b="1" i="0" sz="3200">
+                <a:solidFill>
+                  <a:srgbClr val="5E8CF0"/>
+                </a:solidFill>
+                <a:latin typeface="Instrument"/>
+              </a:rPr>
+              <a:t>02</a:t>
+            </a:r>
+          </a:p>
+        </p:txBody>
+      </p:sp>
+      <p:sp>
+        <p:nvSpPr>
+          <p:cNvPr id="10" name="TextBox 9"/>
+          <p:cNvSpPr txBox="1"/>
+          <p:nvPr/>
+        </p:nvSpPr>
+        <p:spPr>
+          <a:xfrm>
+            <a:off x="9537700" y="3530600"/>
+            <a:ext cx="5422900" cy="406400"/>
+          </a:xfrm>
+          <a:prstGeom prst="rect">
+            <a:avLst/>
+          </a:prstGeom>
+          <a:noFill/>
+        </p:spPr>
+        <p:txBody>
+          <a:bodyPr wrap="square" lIns="0" rIns="0" tIns="0" bIns="0">
+            <a:spAutoFit/>
+          </a:bodyPr>
+          <a:lstStyle/>
+          <a:p>
+            <a:pPr algn="l">
+              <a:defRPr b="1" i="0" sz="2400">
+                <a:solidFill>
+                  <a:srgbClr val="FFFFFF"/>
+                </a:solidFill>
+                <a:latin typeface="Instrument"/>
+              </a:defRPr>
+            </a:pPr>
+            <a:r>
+              <a:rPr b="1" i="0" sz="2400">
+                <a:solidFill>
+                  <a:srgbClr val="FFFFFF"/>
+                </a:solidFill>
+                <a:latin typeface="Instrument"/>
+              </a:rPr>
+              <a:t>Provide Resources</a:t>
+            </a:r>
+          </a:p>
+        </p:txBody>
+      </p:sp>
+      <p:sp>
+        <p:nvSpPr>
+          <p:cNvPr id="11" name="TextBox 10"/>
+          <p:cNvSpPr txBox="1"/>
+          <p:nvPr/>
+        </p:nvSpPr>
+        <p:spPr>
+          <a:xfrm>
+            <a:off x="9537700" y="4089400"/>
+            <a:ext cx="5422900" cy="1524000"/>
+          </a:xfrm>
+          <a:prstGeom prst="rect">
+            <a:avLst/>
+          </a:prstGeom>
+          <a:noFill/>
+        </p:spPr>
+        <p:txBody>
+          <a:bodyPr wrap="square" lIns="0" rIns="0" tIns="0" bIns="0">
+            <a:spAutoFit/>
+          </a:bodyPr>
+          <a:lstStyle/>
+          <a:p>
+            <a:pPr algn="l">
+              <a:defRPr b="0" i="0" sz="2000">
+                <a:solidFill>
+                  <a:srgbClr val="E6E6E6"/>
+                </a:solidFill>
+                <a:latin typeface="Instrument"/>
+              </a:defRPr>
+            </a:pPr>
+            <a:r>
+              <a:rPr b="0" i="0" sz="2000">
+                <a:solidFill>
+                  <a:srgbClr val="E6E6E6"/>
+                </a:solidFill>
+                <a:latin typeface="Instrument"/>
+              </a:rPr>
+              <a:t>Access to tools, materials, and mentorship opportunities can empower individuals to pursue their passions and develop their talents.</a:t>
+            </a:r>
+          </a:p>
+        </p:txBody>
+      </p:sp>
+      <p:sp>
+        <p:nvSpPr>
+          <p:cNvPr id="12" name="Rounded Rectangle 11"/>
+          <p:cNvSpPr/>
+          <p:nvPr/>
+        </p:nvSpPr>
+        <p:spPr>
+          <a:xfrm>
+            <a:off x="8534400" y="6324600"/>
+            <a:ext cx="6705600" cy="2311400"/>
+          </a:xfrm>
+          <a:prstGeom prst="roundRect">
+            <a:avLst>
+              <a:gd name="adj" fmla="val 4395"/>
+            </a:avLst>
+          </a:prstGeom>
+          <a:solidFill>
+            <a:srgbClr val="29136C"/>
+          </a:solidFill>
+          <a:ln>
+            <a:noFill/>
+          </a:ln>
+          <a:effectLst>
+            <a:outerShdw blurRad="127000" dir="90000" dist="25400" rotWithShape="0">
+              <a:srgbClr val="2b2b2b">
+                <a:alpha val="20000"/>
+              </a:srgbClr>
+            </a:outerShdw>
+          </a:effectLst>
+        </p:spPr>
+        <p:style>
+          <a:lnRef idx="1">
+            <a:schemeClr val="accent1"/>
+          </a:lnRef>
+          <a:fillRef idx="3">
+            <a:schemeClr val="accent1"/>
+          </a:fillRef>
+          <a:effectRef idx="2">
+            <a:schemeClr val="accent1"/>
+          </a:effectRef>
+          <a:fontRef idx="minor">
+            <a:schemeClr val="lt1"/>
+          </a:fontRef>
+        </p:style>
+        <p:txBody>
+          <a:bodyPr rtlCol="0" anchor="ctr" wrap="square" lIns="0" rIns="0" tIns="0" bIns="0"/>
+          <a:lstStyle/>
+          <a:p>
+            <a:pPr algn="ctr"/>
+          </a:p>
+        </p:txBody>
+      </p:sp>
+      <p:sp>
+        <p:nvSpPr>
+          <p:cNvPr id="13" name="TextBox 12"/>
+          <p:cNvSpPr txBox="1"/>
+          <p:nvPr/>
+        </p:nvSpPr>
+        <p:spPr>
+          <a:xfrm>
+            <a:off x="8839200" y="6781800"/>
+            <a:ext cx="520700" cy="508000"/>
+          </a:xfrm>
+          <a:prstGeom prst="rect">
+            <a:avLst/>
+          </a:prstGeom>
+          <a:noFill/>
+        </p:spPr>
+        <p:txBody>
+          <a:bodyPr wrap="square" lIns="0" rIns="0" tIns="0" bIns="0">
+            <a:spAutoFit/>
+          </a:bodyPr>
+          <a:lstStyle/>
+          <a:p>
+            <a:pPr algn="l">
+              <a:defRPr b="1" i="0" sz="3200">
+                <a:solidFill>
+                  <a:srgbClr val="5E8CF0"/>
+                </a:solidFill>
+                <a:latin typeface="Instrument"/>
+              </a:defRPr>
+            </a:pPr>
+            <a:r>
+              <a:rPr b="1" i="0" sz="3200">
+                <a:solidFill>
+                  <a:srgbClr val="5E8CF0"/>
+                </a:solidFill>
+                <a:latin typeface="Instrument"/>
+              </a:rPr>
+              <a:t>03</a:t>
+            </a:r>
+          </a:p>
+        </p:txBody>
+      </p:sp>
+      <p:sp>
+        <p:nvSpPr>
+          <p:cNvPr id="14" name="TextBox 13"/>
+          <p:cNvSpPr txBox="1"/>
+          <p:nvPr/>
+        </p:nvSpPr>
+        <p:spPr>
+          <a:xfrm>
+            <a:off x="9537700" y="6629400"/>
+            <a:ext cx="5422900" cy="406400"/>
+          </a:xfrm>
+          <a:prstGeom prst="rect">
+            <a:avLst/>
+          </a:prstGeom>
+          <a:noFill/>
+        </p:spPr>
+        <p:txBody>
+          <a:bodyPr wrap="square" lIns="0" rIns="0" tIns="0" bIns="0">
+            <a:spAutoFit/>
+          </a:bodyPr>
+          <a:lstStyle/>
+          <a:p>
+            <a:pPr algn="l">
+              <a:defRPr b="1" i="0" sz="2400">
+                <a:solidFill>
+                  <a:srgbClr val="FFFFFF"/>
+                </a:solidFill>
+                <a:latin typeface="Instrument"/>
+              </a:defRPr>
+            </a:pPr>
+            <a:r>
+              <a:rPr b="1" i="0" sz="2400">
+                <a:solidFill>
+                  <a:srgbClr val="FFFFFF"/>
+                </a:solidFill>
+                <a:latin typeface="Instrument"/>
+              </a:rPr>
+              <a:t>Foster Resilience</a:t>
+            </a:r>
+          </a:p>
+        </p:txBody>
+      </p:sp>
+      <p:sp>
+        <p:nvSpPr>
+          <p:cNvPr id="15" name="TextBox 14"/>
+          <p:cNvSpPr txBox="1"/>
+          <p:nvPr/>
+        </p:nvSpPr>
+        <p:spPr>
+          <a:xfrm>
+            <a:off x="9537700" y="7188200"/>
+            <a:ext cx="5422900" cy="1143000"/>
+          </a:xfrm>
+          <a:prstGeom prst="rect">
+            <a:avLst/>
+          </a:prstGeom>
+          <a:noFill/>
+        </p:spPr>
+        <p:txBody>
+          <a:bodyPr wrap="square" lIns="0" rIns="0" tIns="0" bIns="0">
+            <a:spAutoFit/>
+          </a:bodyPr>
+          <a:lstStyle/>
+          <a:p>
+            <a:pPr algn="l">
+              <a:defRPr b="0" i="0" sz="2000">
+                <a:solidFill>
+                  <a:srgbClr val="E6E6E6"/>
+                </a:solidFill>
+                <a:latin typeface="Instrument"/>
+              </a:defRPr>
+            </a:pPr>
+            <a:r>
+              <a:rPr b="0" i="0" sz="2000">
+                <a:solidFill>
+                  <a:srgbClr val="E6E6E6"/>
+                </a:solidFill>
+                <a:latin typeface="Instrument"/>
+              </a:rPr>
+              <a:t>Help individuals develop resilience and perseverance, enabling them to overcome challenges and setbacks on their journey.</a:t>
+            </a:r>
+          </a:p>
+        </p:txBody>
+      </p:sp>
+      <p:sp>
+        <p:nvSpPr>
+          <p:cNvPr id="16" name="TextBox 15"/>
+          <p:cNvSpPr txBox="1"/>
+          <p:nvPr/>
+        </p:nvSpPr>
+        <p:spPr>
+          <a:xfrm>
+            <a:off x="8128000" y="8890000"/>
+            <a:ext cx="25400" cy="0"/>
+          </a:xfrm>
+          <a:prstGeom prst="rect">
+            <a:avLst/>
+          </a:prstGeom>
+          <a:noFill/>
+        </p:spPr>
+        <p:txBody>
+          <a:bodyPr wrap="square" lIns="0" rIns="0" tIns="0" bIns="0">
+            <a:spAutoFit/>
+          </a:bodyPr>
+          <a:lstStyle/>
+          <a:p>
+            <a:pPr algn="l">
+              <a:defRPr b="0" i="0" sz="1200">
+                <a:solidFill>
+                  <a:srgbClr val="FFFFFF"/>
+                </a:solidFill>
+                <a:latin typeface="Instrument"/>
+              </a:defRPr>
+            </a:pPr>
           </a:p>
         </p:txBody>
       </p:sp>
@@ -3515,7 +5704,7 @@
     <p:bg>
       <p:bgPr>
         <a:solidFill>
-          <a:srgbClr val="1E1E1E"/>
+          <a:srgbClr val="091433"/>
         </a:solidFill>
         <a:effectLst/>
       </p:bgPr>
@@ -3535,8 +5724,8 @@
         </p:nvSpPr>
         <p:spPr>
           <a:xfrm>
-            <a:off x="635000" y="635000"/>
-            <a:ext cx="7645400" cy="1270000"/>
+            <a:off x="1016000" y="3492500"/>
+            <a:ext cx="7035800" cy="609600"/>
           </a:xfrm>
           <a:prstGeom prst="rect">
             <a:avLst/>
@@ -3549,20 +5738,20 @@
           </a:bodyPr>
           <a:lstStyle/>
           <a:p>
-            <a:pPr>
-              <a:defRPr b="1" i="0" sz="3600">
-                <a:solidFill>
-                  <a:srgbClr val="000000"/>
-                </a:solidFill>
-                <a:latin typeface="Inter"/>
+            <a:pPr algn="l">
+              <a:defRPr b="1" i="0" sz="4000">
+                <a:solidFill>
+                  <a:srgbClr val="FFFFFF"/>
+                </a:solidFill>
+                <a:latin typeface="Instrument"/>
               </a:defRPr>
             </a:pPr>
             <a:r>
-              <a:rPr b="1" i="0" sz="3600">
-                <a:solidFill>
-                  <a:srgbClr val="000000"/>
-                </a:solidFill>
-                <a:latin typeface="Inter"/>
+              <a:rPr b="1" i="0" sz="4000">
+                <a:solidFill>
+                  <a:srgbClr val="FFFFFF"/>
+                </a:solidFill>
+                <a:latin typeface="Instrument"/>
               </a:rPr>
               <a:t>The Dark Side of Genius</a:t>
             </a:r>
@@ -3577,8 +5766,8 @@
         </p:nvSpPr>
         <p:spPr>
           <a:xfrm>
-            <a:off x="635000" y="2794000"/>
-            <a:ext cx="7645400" cy="3810000"/>
+            <a:off x="1016000" y="4508500"/>
+            <a:ext cx="7035800" cy="1143000"/>
           </a:xfrm>
           <a:prstGeom prst="rect">
             <a:avLst/>
@@ -3591,23 +5780,412 @@
           </a:bodyPr>
           <a:lstStyle/>
           <a:p>
-            <a:pPr>
-              <a:defRPr b="0" i="0" sz="1800">
-                <a:solidFill>
-                  <a:srgbClr val="000000"/>
-                </a:solidFill>
-                <a:latin typeface="Inter"/>
+            <a:pPr algn="l">
+              <a:defRPr b="0" i="0" sz="2000">
+                <a:solidFill>
+                  <a:srgbClr val="E6E6E6"/>
+                </a:solidFill>
+                <a:latin typeface="Instrument"/>
               </a:defRPr>
             </a:pPr>
             <a:r>
-              <a:rPr b="0" i="0" sz="1800">
-                <a:solidFill>
-                  <a:srgbClr val="000000"/>
-                </a:solidFill>
-                <a:latin typeface="Inter"/>
+              <a:rPr b="0" i="0" sz="2000">
+                <a:solidFill>
+                  <a:srgbClr val="E6E6E6"/>
+                </a:solidFill>
+                <a:latin typeface="Instrument"/>
               </a:rPr>
               <a:t>Discuss the potential downsides, including social isolation, mental health challenges, and ethical dilemmas faced by geniuses.</a:t>
             </a:r>
+          </a:p>
+        </p:txBody>
+      </p:sp>
+      <p:sp>
+        <p:nvSpPr>
+          <p:cNvPr id="4" name="Rounded Rectangle 3"/>
+          <p:cNvSpPr/>
+          <p:nvPr/>
+        </p:nvSpPr>
+        <p:spPr>
+          <a:xfrm>
+            <a:off x="8229600" y="2019300"/>
+            <a:ext cx="7010400" cy="2590800"/>
+          </a:xfrm>
+          <a:prstGeom prst="roundRect">
+            <a:avLst>
+              <a:gd name="adj" fmla="val 3921"/>
+            </a:avLst>
+          </a:prstGeom>
+          <a:solidFill>
+            <a:srgbClr val="29136C"/>
+          </a:solidFill>
+          <a:ln>
+            <a:noFill/>
+          </a:ln>
+          <a:effectLst>
+            <a:outerShdw blurRad="127000" dir="90000" dist="25400" rotWithShape="0">
+              <a:srgbClr val="2b2b2b">
+                <a:alpha val="20000"/>
+              </a:srgbClr>
+            </a:outerShdw>
+          </a:effectLst>
+        </p:spPr>
+        <p:style>
+          <a:lnRef idx="1">
+            <a:schemeClr val="accent1"/>
+          </a:lnRef>
+          <a:fillRef idx="3">
+            <a:schemeClr val="accent1"/>
+          </a:fillRef>
+          <a:effectRef idx="2">
+            <a:schemeClr val="accent1"/>
+          </a:effectRef>
+          <a:fontRef idx="minor">
+            <a:schemeClr val="lt1"/>
+          </a:fontRef>
+        </p:style>
+        <p:txBody>
+          <a:bodyPr rtlCol="0" anchor="ctr" wrap="square" lIns="0" rIns="0" tIns="0" bIns="0"/>
+          <a:lstStyle/>
+          <a:p>
+            <a:pPr algn="ctr"/>
+          </a:p>
+        </p:txBody>
+      </p:sp>
+      <p:sp>
+        <p:nvSpPr>
+          <p:cNvPr id="5" name="TextBox 4"/>
+          <p:cNvSpPr txBox="1"/>
+          <p:nvPr/>
+        </p:nvSpPr>
+        <p:spPr>
+          <a:xfrm>
+            <a:off x="8534400" y="2324100"/>
+            <a:ext cx="546100" cy="1778000"/>
+          </a:xfrm>
+          <a:prstGeom prst="rect">
+            <a:avLst/>
+          </a:prstGeom>
+          <a:noFill/>
+        </p:spPr>
+        <p:txBody>
+          <a:bodyPr wrap="square" lIns="0" rIns="0" tIns="0" bIns="0">
+            <a:spAutoFit/>
+          </a:bodyPr>
+          <a:lstStyle/>
+          <a:p>
+            <a:pPr algn="l">
+              <a:defRPr b="1" i="0" sz="3200">
+                <a:solidFill>
+                  <a:srgbClr val="5E8CF0"/>
+                </a:solidFill>
+                <a:latin typeface="Instrument"/>
+              </a:defRPr>
+            </a:pPr>
+            <a:r>
+              <a:rPr b="1" i="0" sz="3200">
+                <a:solidFill>
+                  <a:srgbClr val="5E8CF0"/>
+                </a:solidFill>
+                <a:latin typeface="Instrument"/>
+              </a:rPr>
+              <a:t>01</a:t>
+            </a:r>
+          </a:p>
+        </p:txBody>
+      </p:sp>
+      <p:sp>
+        <p:nvSpPr>
+          <p:cNvPr id="6" name="TextBox 5"/>
+          <p:cNvSpPr txBox="1"/>
+          <p:nvPr/>
+        </p:nvSpPr>
+        <p:spPr>
+          <a:xfrm>
+            <a:off x="9359900" y="2324100"/>
+            <a:ext cx="5600700" cy="406400"/>
+          </a:xfrm>
+          <a:prstGeom prst="rect">
+            <a:avLst/>
+          </a:prstGeom>
+          <a:noFill/>
+        </p:spPr>
+        <p:txBody>
+          <a:bodyPr wrap="square" lIns="0" rIns="0" tIns="0" bIns="0">
+            <a:spAutoFit/>
+          </a:bodyPr>
+          <a:lstStyle/>
+          <a:p>
+            <a:pPr algn="l">
+              <a:defRPr b="1" i="0" sz="2400">
+                <a:solidFill>
+                  <a:srgbClr val="FFFFFF"/>
+                </a:solidFill>
+                <a:latin typeface="Instrument"/>
+              </a:defRPr>
+            </a:pPr>
+            <a:r>
+              <a:rPr b="1" i="0" sz="2400">
+                <a:solidFill>
+                  <a:srgbClr val="FFFFFF"/>
+                </a:solidFill>
+                <a:latin typeface="Instrument"/>
+              </a:rPr>
+              <a:t>Social Isolation</a:t>
+            </a:r>
+          </a:p>
+        </p:txBody>
+      </p:sp>
+      <p:sp>
+        <p:nvSpPr>
+          <p:cNvPr id="7" name="TextBox 6"/>
+          <p:cNvSpPr txBox="1"/>
+          <p:nvPr/>
+        </p:nvSpPr>
+        <p:spPr>
+          <a:xfrm>
+            <a:off x="9359900" y="2781300"/>
+            <a:ext cx="5600700" cy="1524000"/>
+          </a:xfrm>
+          <a:prstGeom prst="rect">
+            <a:avLst/>
+          </a:prstGeom>
+          <a:noFill/>
+        </p:spPr>
+        <p:txBody>
+          <a:bodyPr wrap="square" lIns="0" rIns="0" tIns="0" bIns="0">
+            <a:spAutoFit/>
+          </a:bodyPr>
+          <a:lstStyle/>
+          <a:p>
+            <a:pPr algn="l">
+              <a:defRPr b="0" i="0" sz="2000">
+                <a:solidFill>
+                  <a:srgbClr val="E6E6E6"/>
+                </a:solidFill>
+                <a:latin typeface="Instrument"/>
+              </a:defRPr>
+            </a:pPr>
+            <a:r>
+              <a:rPr b="0" i="0" sz="2000">
+                <a:solidFill>
+                  <a:srgbClr val="E6E6E6"/>
+                </a:solidFill>
+                <a:latin typeface="Instrument"/>
+              </a:rPr>
+              <a:t>Geniuses may experience social isolation due to their unique perspectives, making it difficult to connect with peers and form meaningful relationships.</a:t>
+            </a:r>
+          </a:p>
+        </p:txBody>
+      </p:sp>
+      <p:sp>
+        <p:nvSpPr>
+          <p:cNvPr id="8" name="Rounded Rectangle 7"/>
+          <p:cNvSpPr/>
+          <p:nvPr/>
+        </p:nvSpPr>
+        <p:spPr>
+          <a:xfrm>
+            <a:off x="8229600" y="4914900"/>
+            <a:ext cx="7010400" cy="2209800"/>
+          </a:xfrm>
+          <a:prstGeom prst="roundRect">
+            <a:avLst>
+              <a:gd name="adj" fmla="val 4597"/>
+            </a:avLst>
+          </a:prstGeom>
+          <a:solidFill>
+            <a:srgbClr val="29136C"/>
+          </a:solidFill>
+          <a:ln>
+            <a:noFill/>
+          </a:ln>
+          <a:effectLst>
+            <a:outerShdw blurRad="127000" dir="90000" dist="25400" rotWithShape="0">
+              <a:srgbClr val="2b2b2b">
+                <a:alpha val="20000"/>
+              </a:srgbClr>
+            </a:outerShdw>
+          </a:effectLst>
+        </p:spPr>
+        <p:style>
+          <a:lnRef idx="1">
+            <a:schemeClr val="accent1"/>
+          </a:lnRef>
+          <a:fillRef idx="3">
+            <a:schemeClr val="accent1"/>
+          </a:fillRef>
+          <a:effectRef idx="2">
+            <a:schemeClr val="accent1"/>
+          </a:effectRef>
+          <a:fontRef idx="minor">
+            <a:schemeClr val="lt1"/>
+          </a:fontRef>
+        </p:style>
+        <p:txBody>
+          <a:bodyPr rtlCol="0" anchor="ctr" wrap="square" lIns="0" rIns="0" tIns="0" bIns="0"/>
+          <a:lstStyle/>
+          <a:p>
+            <a:pPr algn="ctr"/>
+          </a:p>
+        </p:txBody>
+      </p:sp>
+      <p:sp>
+        <p:nvSpPr>
+          <p:cNvPr id="9" name="TextBox 8"/>
+          <p:cNvSpPr txBox="1"/>
+          <p:nvPr/>
+        </p:nvSpPr>
+        <p:spPr>
+          <a:xfrm>
+            <a:off x="8534400" y="5219700"/>
+            <a:ext cx="622300" cy="1397000"/>
+          </a:xfrm>
+          <a:prstGeom prst="rect">
+            <a:avLst/>
+          </a:prstGeom>
+          <a:noFill/>
+        </p:spPr>
+        <p:txBody>
+          <a:bodyPr wrap="square" lIns="0" rIns="0" tIns="0" bIns="0">
+            <a:spAutoFit/>
+          </a:bodyPr>
+          <a:lstStyle/>
+          <a:p>
+            <a:pPr algn="l">
+              <a:defRPr b="1" i="0" sz="3200">
+                <a:solidFill>
+                  <a:srgbClr val="5E8CF0"/>
+                </a:solidFill>
+                <a:latin typeface="Instrument"/>
+              </a:defRPr>
+            </a:pPr>
+            <a:r>
+              <a:rPr b="1" i="0" sz="3200">
+                <a:solidFill>
+                  <a:srgbClr val="5E8CF0"/>
+                </a:solidFill>
+                <a:latin typeface="Instrument"/>
+              </a:rPr>
+              <a:t>02</a:t>
+            </a:r>
+          </a:p>
+        </p:txBody>
+      </p:sp>
+      <p:sp>
+        <p:nvSpPr>
+          <p:cNvPr id="10" name="TextBox 9"/>
+          <p:cNvSpPr txBox="1"/>
+          <p:nvPr/>
+        </p:nvSpPr>
+        <p:spPr>
+          <a:xfrm>
+            <a:off x="9436100" y="5219700"/>
+            <a:ext cx="5524500" cy="406400"/>
+          </a:xfrm>
+          <a:prstGeom prst="rect">
+            <a:avLst/>
+          </a:prstGeom>
+          <a:noFill/>
+        </p:spPr>
+        <p:txBody>
+          <a:bodyPr wrap="square" lIns="0" rIns="0" tIns="0" bIns="0">
+            <a:spAutoFit/>
+          </a:bodyPr>
+          <a:lstStyle/>
+          <a:p>
+            <a:pPr algn="l">
+              <a:defRPr b="1" i="0" sz="2400">
+                <a:solidFill>
+                  <a:srgbClr val="FFFFFF"/>
+                </a:solidFill>
+                <a:latin typeface="Instrument"/>
+              </a:defRPr>
+            </a:pPr>
+            <a:r>
+              <a:rPr b="1" i="0" sz="2400">
+                <a:solidFill>
+                  <a:srgbClr val="FFFFFF"/>
+                </a:solidFill>
+                <a:latin typeface="Instrument"/>
+              </a:rPr>
+              <a:t>Mental Health</a:t>
+            </a:r>
+          </a:p>
+        </p:txBody>
+      </p:sp>
+      <p:sp>
+        <p:nvSpPr>
+          <p:cNvPr id="11" name="TextBox 10"/>
+          <p:cNvSpPr txBox="1"/>
+          <p:nvPr/>
+        </p:nvSpPr>
+        <p:spPr>
+          <a:xfrm>
+            <a:off x="9436100" y="5676900"/>
+            <a:ext cx="5524500" cy="1143000"/>
+          </a:xfrm>
+          <a:prstGeom prst="rect">
+            <a:avLst/>
+          </a:prstGeom>
+          <a:noFill/>
+        </p:spPr>
+        <p:txBody>
+          <a:bodyPr wrap="square" lIns="0" rIns="0" tIns="0" bIns="0">
+            <a:spAutoFit/>
+          </a:bodyPr>
+          <a:lstStyle/>
+          <a:p>
+            <a:pPr algn="l">
+              <a:defRPr b="0" i="0" sz="2000">
+                <a:solidFill>
+                  <a:srgbClr val="E6E6E6"/>
+                </a:solidFill>
+                <a:latin typeface="Instrument"/>
+              </a:defRPr>
+            </a:pPr>
+            <a:r>
+              <a:rPr b="0" i="0" sz="2000">
+                <a:solidFill>
+                  <a:srgbClr val="E6E6E6"/>
+                </a:solidFill>
+                <a:latin typeface="Instrument"/>
+              </a:rPr>
+              <a:t>Geniuses face higher rates of mental health issues like anxiety and depression, stemming from intense pressure and perfectionism.</a:t>
+            </a:r>
+          </a:p>
+        </p:txBody>
+      </p:sp>
+      <p:sp>
+        <p:nvSpPr>
+          <p:cNvPr id="12" name="TextBox 11"/>
+          <p:cNvSpPr txBox="1"/>
+          <p:nvPr/>
+        </p:nvSpPr>
+        <p:spPr>
+          <a:xfrm>
+            <a:off x="8128000" y="8890000"/>
+            <a:ext cx="25400" cy="0"/>
+          </a:xfrm>
+          <a:prstGeom prst="rect">
+            <a:avLst/>
+          </a:prstGeom>
+          <a:noFill/>
+        </p:spPr>
+        <p:txBody>
+          <a:bodyPr wrap="square" lIns="0" rIns="0" tIns="0" bIns="0">
+            <a:spAutoFit/>
+          </a:bodyPr>
+          <a:lstStyle/>
+          <a:p>
+            <a:pPr algn="l">
+              <a:defRPr b="0" i="0" sz="1200">
+                <a:solidFill>
+                  <a:srgbClr val="FFFFFF"/>
+                </a:solidFill>
+                <a:latin typeface="Instrument"/>
+              </a:defRPr>
+            </a:pPr>
           </a:p>
         </p:txBody>
       </p:sp>
@@ -3625,7 +6203,7 @@
     <p:bg>
       <p:bgPr>
         <a:solidFill>
-          <a:srgbClr val="1E1E1E"/>
+          <a:srgbClr val="091433"/>
         </a:solidFill>
         <a:effectLst/>
       </p:bgPr>
@@ -3645,8 +6223,8 @@
         </p:nvSpPr>
         <p:spPr>
           <a:xfrm>
-            <a:off x="635000" y="635000"/>
-            <a:ext cx="7645400" cy="1270000"/>
+            <a:off x="1016000" y="1130300"/>
+            <a:ext cx="14249400" cy="609600"/>
           </a:xfrm>
           <a:prstGeom prst="rect">
             <a:avLst/>
@@ -3659,23 +6237,536 @@
           </a:bodyPr>
           <a:lstStyle/>
           <a:p>
-            <a:pPr>
-              <a:defRPr b="1" i="0" sz="3600">
-                <a:solidFill>
-                  <a:srgbClr val="000000"/>
-                </a:solidFill>
-                <a:latin typeface="Inter"/>
+            <a:pPr algn="ctr">
+              <a:defRPr b="1" i="0" sz="4000">
+                <a:solidFill>
+                  <a:srgbClr val="FFFFFF"/>
+                </a:solidFill>
+                <a:latin typeface="Instrument"/>
               </a:defRPr>
             </a:pPr>
             <a:r>
-              <a:rPr b="1" i="0" sz="3600">
-                <a:solidFill>
-                  <a:srgbClr val="000000"/>
-                </a:solidFill>
-                <a:latin typeface="Inter"/>
+              <a:rPr b="1" i="0" sz="4000">
+                <a:solidFill>
+                  <a:srgbClr val="FFFFFF"/>
+                </a:solidFill>
+                <a:latin typeface="Instrument"/>
               </a:rPr>
               <a:t>Examples of Genius Minds</a:t>
             </a:r>
+          </a:p>
+        </p:txBody>
+      </p:sp>
+      <p:sp>
+        <p:nvSpPr>
+          <p:cNvPr id="3" name="Rounded Rectangle 2"/>
+          <p:cNvSpPr/>
+          <p:nvPr/>
+        </p:nvSpPr>
+        <p:spPr>
+          <a:xfrm>
+            <a:off x="1016000" y="2552700"/>
+            <a:ext cx="4533900" cy="5461000"/>
+          </a:xfrm>
+          <a:prstGeom prst="roundRect">
+            <a:avLst>
+              <a:gd name="adj" fmla="val 2240"/>
+            </a:avLst>
+          </a:prstGeom>
+          <a:solidFill>
+            <a:srgbClr val="29136C"/>
+          </a:solidFill>
+          <a:ln>
+            <a:noFill/>
+          </a:ln>
+          <a:effectLst>
+            <a:outerShdw blurRad="127000" dir="90000" dist="25400" rotWithShape="0">
+              <a:srgbClr val="2b2b2b">
+                <a:alpha val="20000"/>
+              </a:srgbClr>
+            </a:outerShdw>
+          </a:effectLst>
+        </p:spPr>
+        <p:style>
+          <a:lnRef idx="1">
+            <a:schemeClr val="accent1"/>
+          </a:lnRef>
+          <a:fillRef idx="3">
+            <a:schemeClr val="accent1"/>
+          </a:fillRef>
+          <a:effectRef idx="2">
+            <a:schemeClr val="accent1"/>
+          </a:effectRef>
+          <a:fontRef idx="minor">
+            <a:schemeClr val="lt1"/>
+          </a:fontRef>
+        </p:style>
+        <p:txBody>
+          <a:bodyPr rtlCol="0" anchor="ctr" wrap="square" lIns="0" rIns="0" tIns="0" bIns="0"/>
+          <a:lstStyle/>
+          <a:p>
+            <a:pPr algn="ctr"/>
+          </a:p>
+        </p:txBody>
+      </p:sp>
+      <p:pic>
+        <p:nvPicPr>
+          <p:cNvPr id="4" name="Picture 3" descr="263f15f4-3828-4fc0-88a7-b9d7081b3593.png"/>
+          <p:cNvPicPr>
+            <a:picLocks noChangeAspect="1"/>
+          </p:cNvPicPr>
+          <p:nvPr/>
+        </p:nvPicPr>
+        <p:blipFill>
+          <a:blip r:embed="rId2"/>
+          <a:stretch>
+            <a:fillRect/>
+          </a:stretch>
+        </p:blipFill>
+        <p:spPr>
+          <a:xfrm>
+            <a:off x="1016000" y="2552700"/>
+            <a:ext cx="4533900" cy="2438400"/>
+          </a:xfrm>
+          <a:prstGeom prst="rect">
+            <a:avLst/>
+          </a:prstGeom>
+        </p:spPr>
+      </p:pic>
+      <p:sp>
+        <p:nvSpPr>
+          <p:cNvPr id="5" name="TextBox 4"/>
+          <p:cNvSpPr txBox="1"/>
+          <p:nvPr/>
+        </p:nvSpPr>
+        <p:spPr>
+          <a:xfrm>
+            <a:off x="1320800" y="5295900"/>
+            <a:ext cx="3949700" cy="406400"/>
+          </a:xfrm>
+          <a:prstGeom prst="rect">
+            <a:avLst/>
+          </a:prstGeom>
+          <a:noFill/>
+        </p:spPr>
+        <p:txBody>
+          <a:bodyPr wrap="square" lIns="0" rIns="0" tIns="0" bIns="0">
+            <a:spAutoFit/>
+          </a:bodyPr>
+          <a:lstStyle/>
+          <a:p>
+            <a:pPr algn="l">
+              <a:defRPr b="1" i="0" sz="2400">
+                <a:solidFill>
+                  <a:srgbClr val="FFFFFF"/>
+                </a:solidFill>
+                <a:latin typeface="Instrument"/>
+              </a:defRPr>
+            </a:pPr>
+            <a:r>
+              <a:rPr b="1" i="0" sz="2400">
+                <a:solidFill>
+                  <a:srgbClr val="FFFFFF"/>
+                </a:solidFill>
+                <a:latin typeface="Instrument"/>
+              </a:rPr>
+              <a:t>Albert Einstein</a:t>
+            </a:r>
+          </a:p>
+        </p:txBody>
+      </p:sp>
+      <p:sp>
+        <p:nvSpPr>
+          <p:cNvPr id="6" name="TextBox 5"/>
+          <p:cNvSpPr txBox="1"/>
+          <p:nvPr/>
+        </p:nvSpPr>
+        <p:spPr>
+          <a:xfrm>
+            <a:off x="1320800" y="5803900"/>
+            <a:ext cx="3949700" cy="1524000"/>
+          </a:xfrm>
+          <a:prstGeom prst="rect">
+            <a:avLst/>
+          </a:prstGeom>
+          <a:noFill/>
+        </p:spPr>
+        <p:txBody>
+          <a:bodyPr wrap="square" lIns="0" rIns="0" tIns="0" bIns="0">
+            <a:spAutoFit/>
+          </a:bodyPr>
+          <a:lstStyle/>
+          <a:p>
+            <a:pPr algn="l">
+              <a:defRPr b="0" i="0" sz="2000">
+                <a:solidFill>
+                  <a:srgbClr val="E6E6E6"/>
+                </a:solidFill>
+                <a:latin typeface="Instrument"/>
+              </a:defRPr>
+            </a:pPr>
+            <a:r>
+              <a:rPr b="0" i="0" sz="2000">
+                <a:solidFill>
+                  <a:srgbClr val="E6E6E6"/>
+                </a:solidFill>
+                <a:latin typeface="Instrument"/>
+              </a:rPr>
+              <a:t>Revolutionized physics with his theory of relativity, forever changing our understanding of space, time, and gravity.</a:t>
+            </a:r>
+          </a:p>
+        </p:txBody>
+      </p:sp>
+      <p:sp>
+        <p:nvSpPr>
+          <p:cNvPr id="7" name="Rounded Rectangle 6"/>
+          <p:cNvSpPr/>
+          <p:nvPr/>
+        </p:nvSpPr>
+        <p:spPr>
+          <a:xfrm>
+            <a:off x="5854700" y="2552700"/>
+            <a:ext cx="4533900" cy="5461000"/>
+          </a:xfrm>
+          <a:prstGeom prst="roundRect">
+            <a:avLst>
+              <a:gd name="adj" fmla="val 2240"/>
+            </a:avLst>
+          </a:prstGeom>
+          <a:solidFill>
+            <a:srgbClr val="29136C"/>
+          </a:solidFill>
+          <a:ln>
+            <a:noFill/>
+          </a:ln>
+          <a:effectLst>
+            <a:outerShdw blurRad="127000" dir="90000" dist="25400" rotWithShape="0">
+              <a:srgbClr val="2b2b2b">
+                <a:alpha val="20000"/>
+              </a:srgbClr>
+            </a:outerShdw>
+          </a:effectLst>
+        </p:spPr>
+        <p:style>
+          <a:lnRef idx="1">
+            <a:schemeClr val="accent1"/>
+          </a:lnRef>
+          <a:fillRef idx="3">
+            <a:schemeClr val="accent1"/>
+          </a:fillRef>
+          <a:effectRef idx="2">
+            <a:schemeClr val="accent1"/>
+          </a:effectRef>
+          <a:fontRef idx="minor">
+            <a:schemeClr val="lt1"/>
+          </a:fontRef>
+        </p:style>
+        <p:txBody>
+          <a:bodyPr rtlCol="0" anchor="ctr" wrap="square" lIns="0" rIns="0" tIns="0" bIns="0"/>
+          <a:lstStyle/>
+          <a:p>
+            <a:pPr algn="ctr"/>
+          </a:p>
+        </p:txBody>
+      </p:sp>
+      <p:pic>
+        <p:nvPicPr>
+          <p:cNvPr id="8" name="Picture 7" descr="db59b2fc-16f7-426b-9898-a3fb9964fd76.png"/>
+          <p:cNvPicPr>
+            <a:picLocks noChangeAspect="1"/>
+          </p:cNvPicPr>
+          <p:nvPr/>
+        </p:nvPicPr>
+        <p:blipFill>
+          <a:blip r:embed="rId3"/>
+          <a:stretch>
+            <a:fillRect/>
+          </a:stretch>
+        </p:blipFill>
+        <p:spPr>
+          <a:xfrm>
+            <a:off x="5854700" y="2552700"/>
+            <a:ext cx="4533900" cy="2438400"/>
+          </a:xfrm>
+          <a:prstGeom prst="rect">
+            <a:avLst/>
+          </a:prstGeom>
+        </p:spPr>
+      </p:pic>
+      <p:sp>
+        <p:nvSpPr>
+          <p:cNvPr id="9" name="TextBox 8"/>
+          <p:cNvSpPr txBox="1"/>
+          <p:nvPr/>
+        </p:nvSpPr>
+        <p:spPr>
+          <a:xfrm>
+            <a:off x="6159500" y="5295900"/>
+            <a:ext cx="3949700" cy="406400"/>
+          </a:xfrm>
+          <a:prstGeom prst="rect">
+            <a:avLst/>
+          </a:prstGeom>
+          <a:noFill/>
+        </p:spPr>
+        <p:txBody>
+          <a:bodyPr wrap="square" lIns="0" rIns="0" tIns="0" bIns="0">
+            <a:spAutoFit/>
+          </a:bodyPr>
+          <a:lstStyle/>
+          <a:p>
+            <a:pPr algn="l">
+              <a:defRPr b="1" i="0" sz="2400">
+                <a:solidFill>
+                  <a:srgbClr val="FFFFFF"/>
+                </a:solidFill>
+                <a:latin typeface="Instrument"/>
+              </a:defRPr>
+            </a:pPr>
+            <a:r>
+              <a:rPr b="1" i="0" sz="2400">
+                <a:solidFill>
+                  <a:srgbClr val="FFFFFF"/>
+                </a:solidFill>
+                <a:latin typeface="Instrument"/>
+              </a:rPr>
+              <a:t>Marie Curie</a:t>
+            </a:r>
+          </a:p>
+        </p:txBody>
+      </p:sp>
+      <p:sp>
+        <p:nvSpPr>
+          <p:cNvPr id="10" name="TextBox 9"/>
+          <p:cNvSpPr txBox="1"/>
+          <p:nvPr/>
+        </p:nvSpPr>
+        <p:spPr>
+          <a:xfrm>
+            <a:off x="6159500" y="5803900"/>
+            <a:ext cx="3949700" cy="1905000"/>
+          </a:xfrm>
+          <a:prstGeom prst="rect">
+            <a:avLst/>
+          </a:prstGeom>
+          <a:noFill/>
+        </p:spPr>
+        <p:txBody>
+          <a:bodyPr wrap="square" lIns="0" rIns="0" tIns="0" bIns="0">
+            <a:spAutoFit/>
+          </a:bodyPr>
+          <a:lstStyle/>
+          <a:p>
+            <a:pPr algn="l">
+              <a:defRPr b="0" i="0" sz="2000">
+                <a:solidFill>
+                  <a:srgbClr val="E6E6E6"/>
+                </a:solidFill>
+                <a:latin typeface="Instrument"/>
+              </a:defRPr>
+            </a:pPr>
+            <a:r>
+              <a:rPr b="0" i="0" sz="2000">
+                <a:solidFill>
+                  <a:srgbClr val="E6E6E6"/>
+                </a:solidFill>
+                <a:latin typeface="Instrument"/>
+              </a:rPr>
+              <a:t>Pioneered research on radioactivity and was the first woman to win a Nobel Prize, making groundbreaking contributions to science.</a:t>
+            </a:r>
+          </a:p>
+        </p:txBody>
+      </p:sp>
+      <p:sp>
+        <p:nvSpPr>
+          <p:cNvPr id="11" name="Rounded Rectangle 10"/>
+          <p:cNvSpPr/>
+          <p:nvPr/>
+        </p:nvSpPr>
+        <p:spPr>
+          <a:xfrm>
+            <a:off x="10706100" y="2552700"/>
+            <a:ext cx="4533900" cy="5461000"/>
+          </a:xfrm>
+          <a:prstGeom prst="roundRect">
+            <a:avLst>
+              <a:gd name="adj" fmla="val 2240"/>
+            </a:avLst>
+          </a:prstGeom>
+          <a:solidFill>
+            <a:srgbClr val="29136C"/>
+          </a:solidFill>
+          <a:ln>
+            <a:noFill/>
+          </a:ln>
+          <a:effectLst>
+            <a:outerShdw blurRad="127000" dir="90000" dist="25400" rotWithShape="0">
+              <a:srgbClr val="2b2b2b">
+                <a:alpha val="20000"/>
+              </a:srgbClr>
+            </a:outerShdw>
+          </a:effectLst>
+        </p:spPr>
+        <p:style>
+          <a:lnRef idx="1">
+            <a:schemeClr val="accent1"/>
+          </a:lnRef>
+          <a:fillRef idx="3">
+            <a:schemeClr val="accent1"/>
+          </a:fillRef>
+          <a:effectRef idx="2">
+            <a:schemeClr val="accent1"/>
+          </a:effectRef>
+          <a:fontRef idx="minor">
+            <a:schemeClr val="lt1"/>
+          </a:fontRef>
+        </p:style>
+        <p:txBody>
+          <a:bodyPr rtlCol="0" anchor="ctr" wrap="square" lIns="0" rIns="0" tIns="0" bIns="0"/>
+          <a:lstStyle/>
+          <a:p>
+            <a:pPr algn="ctr"/>
+          </a:p>
+        </p:txBody>
+      </p:sp>
+      <p:pic>
+        <p:nvPicPr>
+          <p:cNvPr id="12" name="Picture 11" descr="fd62ee98-cde5-404c-9dc6-e685cf2a4c70.png"/>
+          <p:cNvPicPr>
+            <a:picLocks noChangeAspect="1"/>
+          </p:cNvPicPr>
+          <p:nvPr/>
+        </p:nvPicPr>
+        <p:blipFill>
+          <a:blip r:embed="rId4"/>
+          <a:stretch>
+            <a:fillRect/>
+          </a:stretch>
+        </p:blipFill>
+        <p:spPr>
+          <a:xfrm>
+            <a:off x="10706100" y="2552700"/>
+            <a:ext cx="4533900" cy="2438400"/>
+          </a:xfrm>
+          <a:prstGeom prst="rect">
+            <a:avLst/>
+          </a:prstGeom>
+        </p:spPr>
+      </p:pic>
+      <p:sp>
+        <p:nvSpPr>
+          <p:cNvPr id="13" name="TextBox 12"/>
+          <p:cNvSpPr txBox="1"/>
+          <p:nvPr/>
+        </p:nvSpPr>
+        <p:spPr>
+          <a:xfrm>
+            <a:off x="11010900" y="5295900"/>
+            <a:ext cx="3949700" cy="406400"/>
+          </a:xfrm>
+          <a:prstGeom prst="rect">
+            <a:avLst/>
+          </a:prstGeom>
+          <a:noFill/>
+        </p:spPr>
+        <p:txBody>
+          <a:bodyPr wrap="square" lIns="0" rIns="0" tIns="0" bIns="0">
+            <a:spAutoFit/>
+          </a:bodyPr>
+          <a:lstStyle/>
+          <a:p>
+            <a:pPr algn="l">
+              <a:defRPr b="1" i="0" sz="2400">
+                <a:solidFill>
+                  <a:srgbClr val="FFFFFF"/>
+                </a:solidFill>
+                <a:latin typeface="Instrument"/>
+              </a:defRPr>
+            </a:pPr>
+            <a:r>
+              <a:rPr b="1" i="0" sz="2400">
+                <a:solidFill>
+                  <a:srgbClr val="FFFFFF"/>
+                </a:solidFill>
+                <a:latin typeface="Instrument"/>
+              </a:rPr>
+              <a:t>Leonardo da Vinci</a:t>
+            </a:r>
+          </a:p>
+        </p:txBody>
+      </p:sp>
+      <p:sp>
+        <p:nvSpPr>
+          <p:cNvPr id="14" name="TextBox 13"/>
+          <p:cNvSpPr txBox="1"/>
+          <p:nvPr/>
+        </p:nvSpPr>
+        <p:spPr>
+          <a:xfrm>
+            <a:off x="11010900" y="5803900"/>
+            <a:ext cx="3949700" cy="1524000"/>
+          </a:xfrm>
+          <a:prstGeom prst="rect">
+            <a:avLst/>
+          </a:prstGeom>
+          <a:noFill/>
+        </p:spPr>
+        <p:txBody>
+          <a:bodyPr wrap="square" lIns="0" rIns="0" tIns="0" bIns="0">
+            <a:spAutoFit/>
+          </a:bodyPr>
+          <a:lstStyle/>
+          <a:p>
+            <a:pPr algn="l">
+              <a:defRPr b="0" i="0" sz="2000">
+                <a:solidFill>
+                  <a:srgbClr val="E6E6E6"/>
+                </a:solidFill>
+                <a:latin typeface="Instrument"/>
+              </a:defRPr>
+            </a:pPr>
+            <a:r>
+              <a:rPr b="0" i="0" sz="2000">
+                <a:solidFill>
+                  <a:srgbClr val="E6E6E6"/>
+                </a:solidFill>
+                <a:latin typeface="Instrument"/>
+              </a:rPr>
+              <a:t>A true Renaissance man, excelling as a painter, sculptor, architect, scientist, inventor, and more, leaving an indelible mark.</a:t>
+            </a:r>
+          </a:p>
+        </p:txBody>
+      </p:sp>
+      <p:sp>
+        <p:nvSpPr>
+          <p:cNvPr id="15" name="TextBox 14"/>
+          <p:cNvSpPr txBox="1"/>
+          <p:nvPr/>
+        </p:nvSpPr>
+        <p:spPr>
+          <a:xfrm>
+            <a:off x="8128000" y="8890000"/>
+            <a:ext cx="25400" cy="0"/>
+          </a:xfrm>
+          <a:prstGeom prst="rect">
+            <a:avLst/>
+          </a:prstGeom>
+          <a:noFill/>
+        </p:spPr>
+        <p:txBody>
+          <a:bodyPr wrap="square" lIns="0" rIns="0" tIns="0" bIns="0">
+            <a:spAutoFit/>
+          </a:bodyPr>
+          <a:lstStyle/>
+          <a:p>
+            <a:pPr algn="l">
+              <a:defRPr b="0" i="0" sz="1200">
+                <a:solidFill>
+                  <a:srgbClr val="FFFFFF"/>
+                </a:solidFill>
+                <a:latin typeface="Instrument"/>
+              </a:defRPr>
+            </a:pPr>
           </a:p>
         </p:txBody>
       </p:sp>
@@ -3693,7 +6784,7 @@
     <p:bg>
       <p:bgPr>
         <a:solidFill>
-          <a:srgbClr val="1E1E1E"/>
+          <a:srgbClr val="091433"/>
         </a:solidFill>
         <a:effectLst/>
       </p:bgPr>
@@ -3713,8 +6804,8 @@
         </p:nvSpPr>
         <p:spPr>
           <a:xfrm>
-            <a:off x="635000" y="635000"/>
-            <a:ext cx="7645400" cy="1270000"/>
+            <a:off x="1016000" y="3733800"/>
+            <a:ext cx="6629400" cy="609600"/>
           </a:xfrm>
           <a:prstGeom prst="rect">
             <a:avLst/>
@@ -3727,23 +6818,122 @@
           </a:bodyPr>
           <a:lstStyle/>
           <a:p>
-            <a:pPr>
-              <a:defRPr b="1" i="0" sz="3600">
-                <a:solidFill>
-                  <a:srgbClr val="000000"/>
-                </a:solidFill>
-                <a:latin typeface="Inter"/>
+            <a:pPr algn="l">
+              <a:defRPr b="1" i="0" sz="4000">
+                <a:solidFill>
+                  <a:srgbClr val="FFFFFF"/>
+                </a:solidFill>
+                <a:latin typeface="Instrument"/>
               </a:defRPr>
             </a:pPr>
             <a:r>
-              <a:rPr b="1" i="0" sz="3600">
-                <a:solidFill>
-                  <a:srgbClr val="000000"/>
-                </a:solidFill>
-                <a:latin typeface="Inter"/>
+              <a:rPr b="1" i="0" sz="4000">
+                <a:solidFill>
+                  <a:srgbClr val="FFFFFF"/>
+                </a:solidFill>
+                <a:latin typeface="Instrument"/>
               </a:rPr>
               <a:t>Unlocking Your Inner Genius</a:t>
             </a:r>
+          </a:p>
+        </p:txBody>
+      </p:sp>
+      <p:sp>
+        <p:nvSpPr>
+          <p:cNvPr id="3" name="TextBox 2"/>
+          <p:cNvSpPr txBox="1"/>
+          <p:nvPr/>
+        </p:nvSpPr>
+        <p:spPr>
+          <a:xfrm>
+            <a:off x="1016000" y="4648200"/>
+            <a:ext cx="6731000" cy="762000"/>
+          </a:xfrm>
+          <a:prstGeom prst="rect">
+            <a:avLst/>
+          </a:prstGeom>
+          <a:noFill/>
+        </p:spPr>
+        <p:txBody>
+          <a:bodyPr wrap="square" lIns="0" rIns="0" tIns="0" bIns="0">
+            <a:spAutoFit/>
+          </a:bodyPr>
+          <a:lstStyle/>
+          <a:p>
+            <a:pPr algn="l">
+              <a:defRPr b="0" i="0" sz="2000">
+                <a:solidFill>
+                  <a:srgbClr val="E6E6E6"/>
+                </a:solidFill>
+                <a:latin typeface="Instrument"/>
+              </a:defRPr>
+            </a:pPr>
+            <a:r>
+              <a:rPr b="0" i="0" sz="2000">
+                <a:solidFill>
+                  <a:srgbClr val="E6E6E6"/>
+                </a:solidFill>
+                <a:latin typeface="Instrument"/>
+              </a:rPr>
+              <a:t>Cultivate curiosity, embrace challenges, and never stop learning. Unlock your potential and transform your world.</a:t>
+            </a:r>
+          </a:p>
+        </p:txBody>
+      </p:sp>
+      <p:pic>
+        <p:nvPicPr>
+          <p:cNvPr id="4" name="Picture 3" descr="19028eec-af46-4406-b71b-a1c91b3da817.png"/>
+          <p:cNvPicPr>
+            <a:picLocks noChangeAspect="1"/>
+          </p:cNvPicPr>
+          <p:nvPr/>
+        </p:nvPicPr>
+        <p:blipFill>
+          <a:blip r:embed="rId2"/>
+          <a:stretch>
+            <a:fillRect/>
+          </a:stretch>
+        </p:blipFill>
+        <p:spPr>
+          <a:xfrm>
+            <a:off x="8534400" y="1219200"/>
+            <a:ext cx="6705600" cy="6705600"/>
+          </a:xfrm>
+          <a:prstGeom prst="rect">
+            <a:avLst/>
+          </a:prstGeom>
+        </p:spPr>
+      </p:pic>
+      <p:sp>
+        <p:nvSpPr>
+          <p:cNvPr id="5" name="TextBox 4"/>
+          <p:cNvSpPr txBox="1"/>
+          <p:nvPr/>
+        </p:nvSpPr>
+        <p:spPr>
+          <a:xfrm>
+            <a:off x="8128000" y="8890000"/>
+            <a:ext cx="25400" cy="0"/>
+          </a:xfrm>
+          <a:prstGeom prst="rect">
+            <a:avLst/>
+          </a:prstGeom>
+          <a:noFill/>
+        </p:spPr>
+        <p:txBody>
+          <a:bodyPr wrap="square" lIns="0" rIns="0" tIns="0" bIns="0">
+            <a:spAutoFit/>
+          </a:bodyPr>
+          <a:lstStyle/>
+          <a:p>
+            <a:pPr algn="l">
+              <a:defRPr b="0" i="0" sz="1200">
+                <a:solidFill>
+                  <a:srgbClr val="FFFFFF"/>
+                </a:solidFill>
+                <a:latin typeface="Instrument"/>
+              </a:defRPr>
+            </a:pPr>
           </a:p>
         </p:txBody>
       </p:sp>

--- a/backend/data/0ef2e0f5-d61a-4687-a0ce-69b4c3fd9ec6/Exploring_the_Concept_of_Genius.pptx
+++ b/backend/data/0ef2e0f5-d61a-4687-a0ce-69b4c3fd9ec6/Exploring_the_Concept_of_Genius.pptx
@@ -3111,7 +3111,7 @@
         </p:nvSpPr>
         <p:spPr>
           <a:xfrm>
-            <a:off x="1016000" y="3733800"/>
+            <a:off x="1016000" y="2895600"/>
             <a:ext cx="5257800" cy="609600"/>
           </a:xfrm>
           <a:prstGeom prst="rect">
@@ -3153,7 +3153,7 @@
         </p:nvSpPr>
         <p:spPr>
           <a:xfrm>
-            <a:off x="1016000" y="4648200"/>
+            <a:off x="1016000" y="5486400"/>
             <a:ext cx="6731000" cy="762000"/>
           </a:xfrm>
           <a:prstGeom prst="rect">
@@ -3189,7 +3189,7 @@
       </p:sp>
       <p:pic>
         <p:nvPicPr>
-          <p:cNvPr id="4" name="Picture 3" descr="041522e5-f6a9-492e-9586-2b3b176dae42.png"/>
+          <p:cNvPr id="4" name="Picture 3" descr="19b1b3d3-a1b0-4dfb-b940-d08fdabdbe5e.png"/>
           <p:cNvPicPr>
             <a:picLocks noChangeAspect="1"/>
           </p:cNvPicPr>
@@ -6311,7 +6311,7 @@
       </p:sp>
       <p:pic>
         <p:nvPicPr>
-          <p:cNvPr id="4" name="Picture 3" descr="263f15f4-3828-4fc0-88a7-b9d7081b3593.png"/>
+          <p:cNvPr id="4" name="Picture 3" descr="e6033164-0a00-454a-b68f-d51480f4e3cc.png"/>
           <p:cNvPicPr>
             <a:picLocks noChangeAspect="1"/>
           </p:cNvPicPr>
@@ -6471,7 +6471,7 @@
       </p:sp>
       <p:pic>
         <p:nvPicPr>
-          <p:cNvPr id="8" name="Picture 7" descr="db59b2fc-16f7-426b-9898-a3fb9964fd76.png"/>
+          <p:cNvPr id="8" name="Picture 7" descr="0358f612-e920-4890-86ae-a3c1ce007d16.png"/>
           <p:cNvPicPr>
             <a:picLocks noChangeAspect="1"/>
           </p:cNvPicPr>
@@ -6631,7 +6631,7 @@
       </p:sp>
       <p:pic>
         <p:nvPicPr>
-          <p:cNvPr id="12" name="Picture 11" descr="fd62ee98-cde5-404c-9dc6-e685cf2a4c70.png"/>
+          <p:cNvPr id="12" name="Picture 11" descr="6bfe7cfa-2ee9-41f2-a6ca-3cbc5a3aff77.png"/>
           <p:cNvPicPr>
             <a:picLocks noChangeAspect="1"/>
           </p:cNvPicPr>
@@ -6804,7 +6804,7 @@
         </p:nvSpPr>
         <p:spPr>
           <a:xfrm>
-            <a:off x="1016000" y="3733800"/>
+            <a:off x="1016000" y="2895600"/>
             <a:ext cx="6629400" cy="609600"/>
           </a:xfrm>
           <a:prstGeom prst="rect">
@@ -6846,7 +6846,7 @@
         </p:nvSpPr>
         <p:spPr>
           <a:xfrm>
-            <a:off x="1016000" y="4648200"/>
+            <a:off x="1016000" y="5486400"/>
             <a:ext cx="6731000" cy="762000"/>
           </a:xfrm>
           <a:prstGeom prst="rect">
@@ -6882,7 +6882,7 @@
       </p:sp>
       <p:pic>
         <p:nvPicPr>
-          <p:cNvPr id="4" name="Picture 3" descr="19028eec-af46-4406-b71b-a1c91b3da817.png"/>
+          <p:cNvPr id="4" name="Picture 3" descr="3bfe5744-6bfb-4555-98cc-7516fb20ad69.png"/>
           <p:cNvPicPr>
             <a:picLocks noChangeAspect="1"/>
           </p:cNvPicPr>
